--- a/files/Communications II - Baseband.pptx
+++ b/files/Communications II - Baseband.pptx
@@ -5,10 +5,10 @@
     <p:sldMasterId id="2147483660" r:id="rId4"/>
   </p:sldMasterIdLst>
   <p:notesMasterIdLst>
-    <p:notesMasterId r:id="rId22"/>
+    <p:notesMasterId r:id="rId49"/>
   </p:notesMasterIdLst>
   <p:handoutMasterIdLst>
-    <p:handoutMasterId r:id="rId23"/>
+    <p:handoutMasterId r:id="rId50"/>
   </p:handoutMasterIdLst>
   <p:sldIdLst>
     <p:sldId id="256" r:id="rId5"/>
@@ -28,6 +28,33 @@
     <p:sldId id="358" r:id="rId19"/>
     <p:sldId id="359" r:id="rId20"/>
     <p:sldId id="360" r:id="rId21"/>
+    <p:sldId id="361" r:id="rId22"/>
+    <p:sldId id="362" r:id="rId23"/>
+    <p:sldId id="363" r:id="rId24"/>
+    <p:sldId id="364" r:id="rId25"/>
+    <p:sldId id="365" r:id="rId26"/>
+    <p:sldId id="366" r:id="rId27"/>
+    <p:sldId id="367" r:id="rId28"/>
+    <p:sldId id="368" r:id="rId29"/>
+    <p:sldId id="369" r:id="rId30"/>
+    <p:sldId id="370" r:id="rId31"/>
+    <p:sldId id="371" r:id="rId32"/>
+    <p:sldId id="372" r:id="rId33"/>
+    <p:sldId id="373" r:id="rId34"/>
+    <p:sldId id="374" r:id="rId35"/>
+    <p:sldId id="375" r:id="rId36"/>
+    <p:sldId id="376" r:id="rId37"/>
+    <p:sldId id="377" r:id="rId38"/>
+    <p:sldId id="378" r:id="rId39"/>
+    <p:sldId id="379" r:id="rId40"/>
+    <p:sldId id="380" r:id="rId41"/>
+    <p:sldId id="381" r:id="rId42"/>
+    <p:sldId id="382" r:id="rId43"/>
+    <p:sldId id="383" r:id="rId44"/>
+    <p:sldId id="384" r:id="rId45"/>
+    <p:sldId id="385" r:id="rId46"/>
+    <p:sldId id="386" r:id="rId47"/>
+    <p:sldId id="387" r:id="rId48"/>
   </p:sldIdLst>
   <p:sldSz cx="12192000" cy="6858000"/>
   <p:notesSz cx="6858000" cy="9144000"/>
@@ -152,6 +179,33 @@
             <p14:sldId id="358"/>
             <p14:sldId id="359"/>
             <p14:sldId id="360"/>
+            <p14:sldId id="361"/>
+            <p14:sldId id="362"/>
+            <p14:sldId id="363"/>
+            <p14:sldId id="364"/>
+            <p14:sldId id="365"/>
+            <p14:sldId id="366"/>
+            <p14:sldId id="367"/>
+            <p14:sldId id="368"/>
+            <p14:sldId id="369"/>
+            <p14:sldId id="370"/>
+            <p14:sldId id="371"/>
+            <p14:sldId id="372"/>
+            <p14:sldId id="373"/>
+            <p14:sldId id="374"/>
+            <p14:sldId id="375"/>
+            <p14:sldId id="376"/>
+            <p14:sldId id="377"/>
+            <p14:sldId id="378"/>
+            <p14:sldId id="379"/>
+            <p14:sldId id="380"/>
+            <p14:sldId id="381"/>
+            <p14:sldId id="382"/>
+            <p14:sldId id="383"/>
+            <p14:sldId id="384"/>
+            <p14:sldId id="385"/>
+            <p14:sldId id="386"/>
+            <p14:sldId id="387"/>
           </p14:sldIdLst>
         </p14:section>
         <p14:section name="Learn More" id="{2CC34DB2-6590-42C0-AD4B-A04C6060184E}">
@@ -268,7 +322,7 @@
           <a:p>
             <a:fld id="{80680FBE-A8DF-4758-9AC4-3A9E1039168F}" type="datetimeFigureOut">
               <a:rPr lang="en-US" smtClean="0"/>
-              <a:t>10/13/2019</a:t>
+              <a:t>10/19/2019</a:t>
             </a:fld>
             <a:endParaRPr lang="en-US" dirty="0"/>
           </a:p>
@@ -433,7 +487,7 @@
           <a:p>
             <a:fld id="{EC13577B-6902-467D-A26C-08A0DD5E4E03}" type="datetimeFigureOut">
               <a:rPr lang="en-US" smtClean="0"/>
-              <a:t>10/13/2019</a:t>
+              <a:t>10/19/2019</a:t>
             </a:fld>
             <a:endParaRPr lang="en-US" dirty="0"/>
           </a:p>
@@ -1228,7 +1282,7 @@
             <a:fld id="{8BEEBAAA-29B5-4AF5-BC5F-7E580C29002D}" type="datetimeFigureOut">
               <a:rPr lang="en-US" smtClean="0"/>
               <a:pPr/>
-              <a:t>10/13/2019</a:t>
+              <a:t>10/19/2019</a:t>
             </a:fld>
             <a:endParaRPr lang="en-US" dirty="0"/>
           </a:p>
@@ -1854,7 +1908,7 @@
             <a:fld id="{8BEEBAAA-29B5-4AF5-BC5F-7E580C29002D}" type="datetimeFigureOut">
               <a:rPr lang="en-US" smtClean="0"/>
               <a:pPr/>
-              <a:t>10/13/2019</a:t>
+              <a:t>10/19/2019</a:t>
             </a:fld>
             <a:endParaRPr lang="en-US" dirty="0"/>
           </a:p>
@@ -3248,10 +3302,270 @@
           </a:p>
         </p:txBody>
       </p:sp>
+      <p:pic>
+        <p:nvPicPr>
+          <p:cNvPr id="2" name="Picture 1"/>
+          <p:cNvPicPr>
+            <a:picLocks noChangeAspect="1"/>
+          </p:cNvPicPr>
+          <p:nvPr/>
+        </p:nvPicPr>
+        <p:blipFill>
+          <a:blip r:embed="rId2"/>
+          <a:stretch>
+            <a:fillRect/>
+          </a:stretch>
+        </p:blipFill>
+        <p:spPr>
+          <a:xfrm>
+            <a:off x="1674999" y="1515260"/>
+            <a:ext cx="8734425" cy="4838700"/>
+          </a:xfrm>
+          <a:prstGeom prst="rect">
+            <a:avLst/>
+          </a:prstGeom>
+        </p:spPr>
+      </p:pic>
     </p:spTree>
     <p:extLst>
       <p:ext uri="{BB962C8B-B14F-4D97-AF65-F5344CB8AC3E}">
         <p14:creationId xmlns:p14="http://schemas.microsoft.com/office/powerpoint/2010/main" val="3575898152"/>
+      </p:ext>
+    </p:extLst>
+  </p:cSld>
+  <p:clrMapOvr>
+    <a:masterClrMapping/>
+  </p:clrMapOvr>
+  <mc:AlternateContent xmlns:mc="http://schemas.openxmlformats.org/markup-compatibility/2006" xmlns:p14="http://schemas.microsoft.com/office/powerpoint/2010/main">
+    <mc:Choice Requires="p14">
+      <p:transition p14:dur="10"/>
+    </mc:Choice>
+    <mc:Fallback xmlns="">
+      <p:transition/>
+    </mc:Fallback>
+  </mc:AlternateContent>
+  <p:timing>
+    <p:tnLst>
+      <p:par>
+        <p:cTn id="1" dur="indefinite" restart="never" nodeType="tmRoot"/>
+      </p:par>
+    </p:tnLst>
+  </p:timing>
+</p:sld>
+</file>
+
+<file path=ppt/slides/slide18.xml><?xml version="1.0" encoding="utf-8"?>
+<p:sld xmlns:a="http://schemas.openxmlformats.org/drawingml/2006/main" xmlns:r="http://schemas.openxmlformats.org/officeDocument/2006/relationships" xmlns:p="http://schemas.openxmlformats.org/presentationml/2006/main">
+  <p:cSld>
+    <p:spTree>
+      <p:nvGrpSpPr>
+        <p:cNvPr id="1" name=""/>
+        <p:cNvGrpSpPr/>
+        <p:nvPr/>
+      </p:nvGrpSpPr>
+      <p:grpSpPr>
+        <a:xfrm>
+          <a:off x="0" y="0"/>
+          <a:ext cx="0" cy="0"/>
+          <a:chOff x="0" y="0"/>
+          <a:chExt cx="0" cy="0"/>
+        </a:xfrm>
+      </p:grpSpPr>
+      <p:sp>
+        <p:nvSpPr>
+          <p:cNvPr id="8" name="Title 7"/>
+          <p:cNvSpPr>
+            <a:spLocks noGrp="1"/>
+          </p:cNvSpPr>
+          <p:nvPr>
+            <p:ph type="title"/>
+          </p:nvPr>
+        </p:nvSpPr>
+        <p:spPr>
+          <a:xfrm>
+            <a:off x="4598356" y="469572"/>
+            <a:ext cx="6877119" cy="640080"/>
+          </a:xfrm>
+        </p:spPr>
+        <p:txBody>
+          <a:bodyPr>
+            <a:noAutofit/>
+          </a:bodyPr>
+          <a:lstStyle/>
+          <a:p>
+            <a:pPr algn="r" rtl="1"/>
+            <a:r>
+              <a:rPr lang="fa-IR" dirty="0" smtClean="0">
+                <a:latin typeface="Segoe UI Light" panose="020B0502040204020203" pitchFamily="34" charset="0"/>
+                <a:cs typeface="B Nazanin" panose="00000400000000000000" pitchFamily="2" charset="-78"/>
+              </a:rPr>
+              <a:t>انتقال داده در باند پایه</a:t>
+            </a:r>
+            <a:endParaRPr lang="en-US" dirty="0">
+              <a:latin typeface="Segoe UI Light" panose="020B0502040204020203" pitchFamily="34" charset="0"/>
+              <a:cs typeface="B Nazanin" panose="00000400000000000000" pitchFamily="2" charset="-78"/>
+            </a:endParaRPr>
+          </a:p>
+        </p:txBody>
+      </p:sp>
+      <p:pic>
+        <p:nvPicPr>
+          <p:cNvPr id="2" name="Picture 1"/>
+          <p:cNvPicPr>
+            <a:picLocks noChangeAspect="1"/>
+          </p:cNvPicPr>
+          <p:nvPr/>
+        </p:nvPicPr>
+        <p:blipFill>
+          <a:blip r:embed="rId2"/>
+          <a:stretch>
+            <a:fillRect/>
+          </a:stretch>
+        </p:blipFill>
+        <p:spPr>
+          <a:xfrm>
+            <a:off x="1649954" y="1815857"/>
+            <a:ext cx="8763000" cy="3914775"/>
+          </a:xfrm>
+          <a:prstGeom prst="rect">
+            <a:avLst/>
+          </a:prstGeom>
+        </p:spPr>
+      </p:pic>
+      <p:pic>
+        <p:nvPicPr>
+          <p:cNvPr id="3" name="Picture 2"/>
+          <p:cNvPicPr>
+            <a:picLocks noChangeAspect="1"/>
+          </p:cNvPicPr>
+          <p:nvPr/>
+        </p:nvPicPr>
+        <p:blipFill>
+          <a:blip r:embed="rId3"/>
+          <a:stretch>
+            <a:fillRect/>
+          </a:stretch>
+        </p:blipFill>
+        <p:spPr>
+          <a:xfrm>
+            <a:off x="7545929" y="5730632"/>
+            <a:ext cx="2867025" cy="733425"/>
+          </a:xfrm>
+          <a:prstGeom prst="rect">
+            <a:avLst/>
+          </a:prstGeom>
+        </p:spPr>
+      </p:pic>
+    </p:spTree>
+    <p:extLst>
+      <p:ext uri="{BB962C8B-B14F-4D97-AF65-F5344CB8AC3E}">
+        <p14:creationId xmlns:p14="http://schemas.microsoft.com/office/powerpoint/2010/main" val="3567675919"/>
+      </p:ext>
+    </p:extLst>
+  </p:cSld>
+  <p:clrMapOvr>
+    <a:masterClrMapping/>
+  </p:clrMapOvr>
+  <mc:AlternateContent xmlns:mc="http://schemas.openxmlformats.org/markup-compatibility/2006" xmlns:p14="http://schemas.microsoft.com/office/powerpoint/2010/main">
+    <mc:Choice Requires="p14">
+      <p:transition p14:dur="10"/>
+    </mc:Choice>
+    <mc:Fallback xmlns="">
+      <p:transition/>
+    </mc:Fallback>
+  </mc:AlternateContent>
+  <p:timing>
+    <p:tnLst>
+      <p:par>
+        <p:cTn id="1" dur="indefinite" restart="never" nodeType="tmRoot"/>
+      </p:par>
+    </p:tnLst>
+  </p:timing>
+</p:sld>
+</file>
+
+<file path=ppt/slides/slide19.xml><?xml version="1.0" encoding="utf-8"?>
+<p:sld xmlns:a="http://schemas.openxmlformats.org/drawingml/2006/main" xmlns:r="http://schemas.openxmlformats.org/officeDocument/2006/relationships" xmlns:p="http://schemas.openxmlformats.org/presentationml/2006/main">
+  <p:cSld>
+    <p:spTree>
+      <p:nvGrpSpPr>
+        <p:cNvPr id="1" name=""/>
+        <p:cNvGrpSpPr/>
+        <p:nvPr/>
+      </p:nvGrpSpPr>
+      <p:grpSpPr>
+        <a:xfrm>
+          <a:off x="0" y="0"/>
+          <a:ext cx="0" cy="0"/>
+          <a:chOff x="0" y="0"/>
+          <a:chExt cx="0" cy="0"/>
+        </a:xfrm>
+      </p:grpSpPr>
+      <p:sp>
+        <p:nvSpPr>
+          <p:cNvPr id="8" name="Title 7"/>
+          <p:cNvSpPr>
+            <a:spLocks noGrp="1"/>
+          </p:cNvSpPr>
+          <p:nvPr>
+            <p:ph type="title"/>
+          </p:nvPr>
+        </p:nvSpPr>
+        <p:spPr>
+          <a:xfrm>
+            <a:off x="4598356" y="469572"/>
+            <a:ext cx="6877119" cy="640080"/>
+          </a:xfrm>
+        </p:spPr>
+        <p:txBody>
+          <a:bodyPr>
+            <a:noAutofit/>
+          </a:bodyPr>
+          <a:lstStyle/>
+          <a:p>
+            <a:pPr algn="r" rtl="1"/>
+            <a:r>
+              <a:rPr lang="fa-IR" dirty="0" smtClean="0">
+                <a:latin typeface="Segoe UI Light" panose="020B0502040204020203" pitchFamily="34" charset="0"/>
+                <a:cs typeface="B Nazanin" panose="00000400000000000000" pitchFamily="2" charset="-78"/>
+              </a:rPr>
+              <a:t>انتقال داده در باند پایه</a:t>
+            </a:r>
+            <a:endParaRPr lang="en-US" dirty="0">
+              <a:latin typeface="Segoe UI Light" panose="020B0502040204020203" pitchFamily="34" charset="0"/>
+              <a:cs typeface="B Nazanin" panose="00000400000000000000" pitchFamily="2" charset="-78"/>
+            </a:endParaRPr>
+          </a:p>
+        </p:txBody>
+      </p:sp>
+      <p:pic>
+        <p:nvPicPr>
+          <p:cNvPr id="2" name="Picture 1"/>
+          <p:cNvPicPr>
+            <a:picLocks noChangeAspect="1"/>
+          </p:cNvPicPr>
+          <p:nvPr/>
+        </p:nvPicPr>
+        <p:blipFill>
+          <a:blip r:embed="rId2"/>
+          <a:stretch>
+            <a:fillRect/>
+          </a:stretch>
+        </p:blipFill>
+        <p:spPr>
+          <a:xfrm>
+            <a:off x="1650122" y="1590115"/>
+            <a:ext cx="8848725" cy="4000500"/>
+          </a:xfrm>
+          <a:prstGeom prst="rect">
+            <a:avLst/>
+          </a:prstGeom>
+        </p:spPr>
+      </p:pic>
+    </p:spTree>
+    <p:extLst>
+      <p:ext uri="{BB962C8B-B14F-4D97-AF65-F5344CB8AC3E}">
+        <p14:creationId xmlns:p14="http://schemas.microsoft.com/office/powerpoint/2010/main" val="1252750229"/>
       </p:ext>
     </p:extLst>
   </p:cSld>
@@ -3382,6 +3696,1138 @@
 </p:sld>
 </file>
 
+<file path=ppt/slides/slide20.xml><?xml version="1.0" encoding="utf-8"?>
+<p:sld xmlns:a="http://schemas.openxmlformats.org/drawingml/2006/main" xmlns:r="http://schemas.openxmlformats.org/officeDocument/2006/relationships" xmlns:p="http://schemas.openxmlformats.org/presentationml/2006/main">
+  <p:cSld>
+    <p:spTree>
+      <p:nvGrpSpPr>
+        <p:cNvPr id="1" name=""/>
+        <p:cNvGrpSpPr/>
+        <p:nvPr/>
+      </p:nvGrpSpPr>
+      <p:grpSpPr>
+        <a:xfrm>
+          <a:off x="0" y="0"/>
+          <a:ext cx="0" cy="0"/>
+          <a:chOff x="0" y="0"/>
+          <a:chExt cx="0" cy="0"/>
+        </a:xfrm>
+      </p:grpSpPr>
+      <p:sp>
+        <p:nvSpPr>
+          <p:cNvPr id="8" name="Title 7"/>
+          <p:cNvSpPr>
+            <a:spLocks noGrp="1"/>
+          </p:cNvSpPr>
+          <p:nvPr>
+            <p:ph type="title"/>
+          </p:nvPr>
+        </p:nvSpPr>
+        <p:spPr>
+          <a:xfrm>
+            <a:off x="4598356" y="469572"/>
+            <a:ext cx="6877119" cy="640080"/>
+          </a:xfrm>
+        </p:spPr>
+        <p:txBody>
+          <a:bodyPr>
+            <a:noAutofit/>
+          </a:bodyPr>
+          <a:lstStyle/>
+          <a:p>
+            <a:pPr algn="r" rtl="1"/>
+            <a:r>
+              <a:rPr lang="fa-IR" dirty="0" smtClean="0">
+                <a:latin typeface="Segoe UI Light" panose="020B0502040204020203" pitchFamily="34" charset="0"/>
+                <a:cs typeface="B Nazanin" panose="00000400000000000000" pitchFamily="2" charset="-78"/>
+              </a:rPr>
+              <a:t>انتقال داده در باند پایه</a:t>
+            </a:r>
+            <a:endParaRPr lang="en-US" dirty="0">
+              <a:latin typeface="Segoe UI Light" panose="020B0502040204020203" pitchFamily="34" charset="0"/>
+              <a:cs typeface="B Nazanin" panose="00000400000000000000" pitchFamily="2" charset="-78"/>
+            </a:endParaRPr>
+          </a:p>
+        </p:txBody>
+      </p:sp>
+      <p:pic>
+        <p:nvPicPr>
+          <p:cNvPr id="2" name="Picture 1"/>
+          <p:cNvPicPr>
+            <a:picLocks noChangeAspect="1"/>
+          </p:cNvPicPr>
+          <p:nvPr/>
+        </p:nvPicPr>
+        <p:blipFill>
+          <a:blip r:embed="rId2"/>
+          <a:stretch>
+            <a:fillRect/>
+          </a:stretch>
+        </p:blipFill>
+        <p:spPr>
+          <a:xfrm>
+            <a:off x="1551734" y="1663961"/>
+            <a:ext cx="8658225" cy="4476750"/>
+          </a:xfrm>
+          <a:prstGeom prst="rect">
+            <a:avLst/>
+          </a:prstGeom>
+        </p:spPr>
+      </p:pic>
+    </p:spTree>
+    <p:extLst>
+      <p:ext uri="{BB962C8B-B14F-4D97-AF65-F5344CB8AC3E}">
+        <p14:creationId xmlns:p14="http://schemas.microsoft.com/office/powerpoint/2010/main" val="2037607608"/>
+      </p:ext>
+    </p:extLst>
+  </p:cSld>
+  <p:clrMapOvr>
+    <a:masterClrMapping/>
+  </p:clrMapOvr>
+  <mc:AlternateContent xmlns:mc="http://schemas.openxmlformats.org/markup-compatibility/2006" xmlns:p14="http://schemas.microsoft.com/office/powerpoint/2010/main">
+    <mc:Choice Requires="p14">
+      <p:transition p14:dur="10"/>
+    </mc:Choice>
+    <mc:Fallback xmlns="">
+      <p:transition/>
+    </mc:Fallback>
+  </mc:AlternateContent>
+  <p:timing>
+    <p:tnLst>
+      <p:par>
+        <p:cTn id="1" dur="indefinite" restart="never" nodeType="tmRoot"/>
+      </p:par>
+    </p:tnLst>
+  </p:timing>
+</p:sld>
+</file>
+
+<file path=ppt/slides/slide21.xml><?xml version="1.0" encoding="utf-8"?>
+<p:sld xmlns:a="http://schemas.openxmlformats.org/drawingml/2006/main" xmlns:r="http://schemas.openxmlformats.org/officeDocument/2006/relationships" xmlns:p="http://schemas.openxmlformats.org/presentationml/2006/main">
+  <p:cSld>
+    <p:spTree>
+      <p:nvGrpSpPr>
+        <p:cNvPr id="1" name=""/>
+        <p:cNvGrpSpPr/>
+        <p:nvPr/>
+      </p:nvGrpSpPr>
+      <p:grpSpPr>
+        <a:xfrm>
+          <a:off x="0" y="0"/>
+          <a:ext cx="0" cy="0"/>
+          <a:chOff x="0" y="0"/>
+          <a:chExt cx="0" cy="0"/>
+        </a:xfrm>
+      </p:grpSpPr>
+      <p:sp>
+        <p:nvSpPr>
+          <p:cNvPr id="8" name="Title 7"/>
+          <p:cNvSpPr>
+            <a:spLocks noGrp="1"/>
+          </p:cNvSpPr>
+          <p:nvPr>
+            <p:ph type="title"/>
+          </p:nvPr>
+        </p:nvSpPr>
+        <p:spPr>
+          <a:xfrm>
+            <a:off x="4598356" y="469572"/>
+            <a:ext cx="6877119" cy="640080"/>
+          </a:xfrm>
+        </p:spPr>
+        <p:txBody>
+          <a:bodyPr>
+            <a:noAutofit/>
+          </a:bodyPr>
+          <a:lstStyle/>
+          <a:p>
+            <a:pPr algn="r" rtl="1"/>
+            <a:r>
+              <a:rPr lang="fa-IR" dirty="0" smtClean="0">
+                <a:latin typeface="Segoe UI Light" panose="020B0502040204020203" pitchFamily="34" charset="0"/>
+                <a:cs typeface="B Nazanin" panose="00000400000000000000" pitchFamily="2" charset="-78"/>
+              </a:rPr>
+              <a:t>انتقال داده در باند پایه</a:t>
+            </a:r>
+            <a:endParaRPr lang="en-US" dirty="0">
+              <a:latin typeface="Segoe UI Light" panose="020B0502040204020203" pitchFamily="34" charset="0"/>
+              <a:cs typeface="B Nazanin" panose="00000400000000000000" pitchFamily="2" charset="-78"/>
+            </a:endParaRPr>
+          </a:p>
+        </p:txBody>
+      </p:sp>
+      <p:pic>
+        <p:nvPicPr>
+          <p:cNvPr id="2" name="Picture 1"/>
+          <p:cNvPicPr>
+            <a:picLocks noChangeAspect="1"/>
+          </p:cNvPicPr>
+          <p:nvPr/>
+        </p:nvPicPr>
+        <p:blipFill>
+          <a:blip r:embed="rId2"/>
+          <a:stretch>
+            <a:fillRect/>
+          </a:stretch>
+        </p:blipFill>
+        <p:spPr>
+          <a:xfrm>
+            <a:off x="1833562" y="1540249"/>
+            <a:ext cx="8524875" cy="1733550"/>
+          </a:xfrm>
+          <a:prstGeom prst="rect">
+            <a:avLst/>
+          </a:prstGeom>
+        </p:spPr>
+      </p:pic>
+      <p:pic>
+        <p:nvPicPr>
+          <p:cNvPr id="3" name="Picture 2"/>
+          <p:cNvPicPr>
+            <a:picLocks noChangeAspect="1"/>
+          </p:cNvPicPr>
+          <p:nvPr/>
+        </p:nvPicPr>
+        <p:blipFill>
+          <a:blip r:embed="rId3"/>
+          <a:stretch>
+            <a:fillRect/>
+          </a:stretch>
+        </p:blipFill>
+        <p:spPr>
+          <a:xfrm>
+            <a:off x="1747837" y="3273799"/>
+            <a:ext cx="8610600" cy="2867025"/>
+          </a:xfrm>
+          <a:prstGeom prst="rect">
+            <a:avLst/>
+          </a:prstGeom>
+        </p:spPr>
+      </p:pic>
+    </p:spTree>
+    <p:extLst>
+      <p:ext uri="{BB962C8B-B14F-4D97-AF65-F5344CB8AC3E}">
+        <p14:creationId xmlns:p14="http://schemas.microsoft.com/office/powerpoint/2010/main" val="1333376739"/>
+      </p:ext>
+    </p:extLst>
+  </p:cSld>
+  <p:clrMapOvr>
+    <a:masterClrMapping/>
+  </p:clrMapOvr>
+  <mc:AlternateContent xmlns:mc="http://schemas.openxmlformats.org/markup-compatibility/2006" xmlns:p14="http://schemas.microsoft.com/office/powerpoint/2010/main">
+    <mc:Choice Requires="p14">
+      <p:transition p14:dur="10"/>
+    </mc:Choice>
+    <mc:Fallback xmlns="">
+      <p:transition/>
+    </mc:Fallback>
+  </mc:AlternateContent>
+  <p:timing>
+    <p:tnLst>
+      <p:par>
+        <p:cTn id="1" dur="indefinite" restart="never" nodeType="tmRoot"/>
+      </p:par>
+    </p:tnLst>
+  </p:timing>
+</p:sld>
+</file>
+
+<file path=ppt/slides/slide22.xml><?xml version="1.0" encoding="utf-8"?>
+<p:sld xmlns:a="http://schemas.openxmlformats.org/drawingml/2006/main" xmlns:r="http://schemas.openxmlformats.org/officeDocument/2006/relationships" xmlns:p="http://schemas.openxmlformats.org/presentationml/2006/main">
+  <p:cSld>
+    <p:spTree>
+      <p:nvGrpSpPr>
+        <p:cNvPr id="1" name=""/>
+        <p:cNvGrpSpPr/>
+        <p:nvPr/>
+      </p:nvGrpSpPr>
+      <p:grpSpPr>
+        <a:xfrm>
+          <a:off x="0" y="0"/>
+          <a:ext cx="0" cy="0"/>
+          <a:chOff x="0" y="0"/>
+          <a:chExt cx="0" cy="0"/>
+        </a:xfrm>
+      </p:grpSpPr>
+      <p:sp>
+        <p:nvSpPr>
+          <p:cNvPr id="8" name="Title 7"/>
+          <p:cNvSpPr>
+            <a:spLocks noGrp="1"/>
+          </p:cNvSpPr>
+          <p:nvPr>
+            <p:ph type="title"/>
+          </p:nvPr>
+        </p:nvSpPr>
+        <p:spPr>
+          <a:xfrm>
+            <a:off x="4598356" y="469572"/>
+            <a:ext cx="6877119" cy="640080"/>
+          </a:xfrm>
+        </p:spPr>
+        <p:txBody>
+          <a:bodyPr>
+            <a:noAutofit/>
+          </a:bodyPr>
+          <a:lstStyle/>
+          <a:p>
+            <a:pPr algn="r" rtl="1"/>
+            <a:r>
+              <a:rPr lang="fa-IR" dirty="0" smtClean="0">
+                <a:latin typeface="Segoe UI Light" panose="020B0502040204020203" pitchFamily="34" charset="0"/>
+                <a:cs typeface="B Nazanin" panose="00000400000000000000" pitchFamily="2" charset="-78"/>
+              </a:rPr>
+              <a:t>انتقال داده در باند پایه</a:t>
+            </a:r>
+            <a:endParaRPr lang="en-US" dirty="0">
+              <a:latin typeface="Segoe UI Light" panose="020B0502040204020203" pitchFamily="34" charset="0"/>
+              <a:cs typeface="B Nazanin" panose="00000400000000000000" pitchFamily="2" charset="-78"/>
+            </a:endParaRPr>
+          </a:p>
+        </p:txBody>
+      </p:sp>
+      <p:pic>
+        <p:nvPicPr>
+          <p:cNvPr id="2" name="Picture 1"/>
+          <p:cNvPicPr>
+            <a:picLocks noChangeAspect="1"/>
+          </p:cNvPicPr>
+          <p:nvPr/>
+        </p:nvPicPr>
+        <p:blipFill>
+          <a:blip r:embed="rId2"/>
+          <a:stretch>
+            <a:fillRect/>
+          </a:stretch>
+        </p:blipFill>
+        <p:spPr>
+          <a:xfrm>
+            <a:off x="1687885" y="1662224"/>
+            <a:ext cx="8601075" cy="4200525"/>
+          </a:xfrm>
+          <a:prstGeom prst="rect">
+            <a:avLst/>
+          </a:prstGeom>
+        </p:spPr>
+      </p:pic>
+    </p:spTree>
+    <p:extLst>
+      <p:ext uri="{BB962C8B-B14F-4D97-AF65-F5344CB8AC3E}">
+        <p14:creationId xmlns:p14="http://schemas.microsoft.com/office/powerpoint/2010/main" val="2079700087"/>
+      </p:ext>
+    </p:extLst>
+  </p:cSld>
+  <p:clrMapOvr>
+    <a:masterClrMapping/>
+  </p:clrMapOvr>
+  <mc:AlternateContent xmlns:mc="http://schemas.openxmlformats.org/markup-compatibility/2006" xmlns:p14="http://schemas.microsoft.com/office/powerpoint/2010/main">
+    <mc:Choice Requires="p14">
+      <p:transition p14:dur="10"/>
+    </mc:Choice>
+    <mc:Fallback xmlns="">
+      <p:transition/>
+    </mc:Fallback>
+  </mc:AlternateContent>
+  <p:timing>
+    <p:tnLst>
+      <p:par>
+        <p:cTn id="1" dur="indefinite" restart="never" nodeType="tmRoot"/>
+      </p:par>
+    </p:tnLst>
+  </p:timing>
+</p:sld>
+</file>
+
+<file path=ppt/slides/slide23.xml><?xml version="1.0" encoding="utf-8"?>
+<p:sld xmlns:a="http://schemas.openxmlformats.org/drawingml/2006/main" xmlns:r="http://schemas.openxmlformats.org/officeDocument/2006/relationships" xmlns:p="http://schemas.openxmlformats.org/presentationml/2006/main">
+  <p:cSld>
+    <p:spTree>
+      <p:nvGrpSpPr>
+        <p:cNvPr id="1" name=""/>
+        <p:cNvGrpSpPr/>
+        <p:nvPr/>
+      </p:nvGrpSpPr>
+      <p:grpSpPr>
+        <a:xfrm>
+          <a:off x="0" y="0"/>
+          <a:ext cx="0" cy="0"/>
+          <a:chOff x="0" y="0"/>
+          <a:chExt cx="0" cy="0"/>
+        </a:xfrm>
+      </p:grpSpPr>
+      <p:sp>
+        <p:nvSpPr>
+          <p:cNvPr id="8" name="Title 7"/>
+          <p:cNvSpPr>
+            <a:spLocks noGrp="1"/>
+          </p:cNvSpPr>
+          <p:nvPr>
+            <p:ph type="title"/>
+          </p:nvPr>
+        </p:nvSpPr>
+        <p:spPr>
+          <a:xfrm>
+            <a:off x="4598356" y="469572"/>
+            <a:ext cx="6877119" cy="640080"/>
+          </a:xfrm>
+        </p:spPr>
+        <p:txBody>
+          <a:bodyPr>
+            <a:noAutofit/>
+          </a:bodyPr>
+          <a:lstStyle/>
+          <a:p>
+            <a:pPr algn="r" rtl="1"/>
+            <a:r>
+              <a:rPr lang="fa-IR" dirty="0" smtClean="0">
+                <a:latin typeface="Segoe UI Light" panose="020B0502040204020203" pitchFamily="34" charset="0"/>
+                <a:cs typeface="B Nazanin" panose="00000400000000000000" pitchFamily="2" charset="-78"/>
+              </a:rPr>
+              <a:t>انتقال داده در باند پایه</a:t>
+            </a:r>
+            <a:endParaRPr lang="en-US" dirty="0">
+              <a:latin typeface="Segoe UI Light" panose="020B0502040204020203" pitchFamily="34" charset="0"/>
+              <a:cs typeface="B Nazanin" panose="00000400000000000000" pitchFamily="2" charset="-78"/>
+            </a:endParaRPr>
+          </a:p>
+        </p:txBody>
+      </p:sp>
+      <p:pic>
+        <p:nvPicPr>
+          <p:cNvPr id="2" name="Picture 1"/>
+          <p:cNvPicPr>
+            <a:picLocks noChangeAspect="1"/>
+          </p:cNvPicPr>
+          <p:nvPr/>
+        </p:nvPicPr>
+        <p:blipFill>
+          <a:blip r:embed="rId2"/>
+          <a:stretch>
+            <a:fillRect/>
+          </a:stretch>
+        </p:blipFill>
+        <p:spPr>
+          <a:xfrm>
+            <a:off x="1816810" y="1616728"/>
+            <a:ext cx="8515350" cy="4162425"/>
+          </a:xfrm>
+          <a:prstGeom prst="rect">
+            <a:avLst/>
+          </a:prstGeom>
+        </p:spPr>
+      </p:pic>
+    </p:spTree>
+    <p:extLst>
+      <p:ext uri="{BB962C8B-B14F-4D97-AF65-F5344CB8AC3E}">
+        <p14:creationId xmlns:p14="http://schemas.microsoft.com/office/powerpoint/2010/main" val="1636736914"/>
+      </p:ext>
+    </p:extLst>
+  </p:cSld>
+  <p:clrMapOvr>
+    <a:masterClrMapping/>
+  </p:clrMapOvr>
+  <mc:AlternateContent xmlns:mc="http://schemas.openxmlformats.org/markup-compatibility/2006" xmlns:p14="http://schemas.microsoft.com/office/powerpoint/2010/main">
+    <mc:Choice Requires="p14">
+      <p:transition p14:dur="10"/>
+    </mc:Choice>
+    <mc:Fallback xmlns="">
+      <p:transition/>
+    </mc:Fallback>
+  </mc:AlternateContent>
+  <p:timing>
+    <p:tnLst>
+      <p:par>
+        <p:cTn id="1" dur="indefinite" restart="never" nodeType="tmRoot"/>
+      </p:par>
+    </p:tnLst>
+  </p:timing>
+</p:sld>
+</file>
+
+<file path=ppt/slides/slide24.xml><?xml version="1.0" encoding="utf-8"?>
+<p:sld xmlns:a="http://schemas.openxmlformats.org/drawingml/2006/main" xmlns:r="http://schemas.openxmlformats.org/officeDocument/2006/relationships" xmlns:p="http://schemas.openxmlformats.org/presentationml/2006/main">
+  <p:cSld>
+    <p:spTree>
+      <p:nvGrpSpPr>
+        <p:cNvPr id="1" name=""/>
+        <p:cNvGrpSpPr/>
+        <p:nvPr/>
+      </p:nvGrpSpPr>
+      <p:grpSpPr>
+        <a:xfrm>
+          <a:off x="0" y="0"/>
+          <a:ext cx="0" cy="0"/>
+          <a:chOff x="0" y="0"/>
+          <a:chExt cx="0" cy="0"/>
+        </a:xfrm>
+      </p:grpSpPr>
+      <p:sp>
+        <p:nvSpPr>
+          <p:cNvPr id="8" name="Title 7"/>
+          <p:cNvSpPr>
+            <a:spLocks noGrp="1"/>
+          </p:cNvSpPr>
+          <p:nvPr>
+            <p:ph type="title"/>
+          </p:nvPr>
+        </p:nvSpPr>
+        <p:spPr>
+          <a:xfrm>
+            <a:off x="4598356" y="469572"/>
+            <a:ext cx="6877119" cy="640080"/>
+          </a:xfrm>
+        </p:spPr>
+        <p:txBody>
+          <a:bodyPr>
+            <a:noAutofit/>
+          </a:bodyPr>
+          <a:lstStyle/>
+          <a:p>
+            <a:pPr algn="r" rtl="1"/>
+            <a:r>
+              <a:rPr lang="fa-IR" dirty="0" smtClean="0">
+                <a:latin typeface="Segoe UI Light" panose="020B0502040204020203" pitchFamily="34" charset="0"/>
+                <a:cs typeface="B Nazanin" panose="00000400000000000000" pitchFamily="2" charset="-78"/>
+              </a:rPr>
+              <a:t>انتقال داده در باند پایه</a:t>
+            </a:r>
+            <a:endParaRPr lang="en-US" dirty="0">
+              <a:latin typeface="Segoe UI Light" panose="020B0502040204020203" pitchFamily="34" charset="0"/>
+              <a:cs typeface="B Nazanin" panose="00000400000000000000" pitchFamily="2" charset="-78"/>
+            </a:endParaRPr>
+          </a:p>
+        </p:txBody>
+      </p:sp>
+      <p:pic>
+        <p:nvPicPr>
+          <p:cNvPr id="2" name="Picture 1"/>
+          <p:cNvPicPr>
+            <a:picLocks noChangeAspect="1"/>
+          </p:cNvPicPr>
+          <p:nvPr/>
+        </p:nvPicPr>
+        <p:blipFill>
+          <a:blip r:embed="rId2"/>
+          <a:stretch>
+            <a:fillRect/>
+          </a:stretch>
+        </p:blipFill>
+        <p:spPr>
+          <a:xfrm>
+            <a:off x="1630736" y="1797311"/>
+            <a:ext cx="8715375" cy="4210050"/>
+          </a:xfrm>
+          <a:prstGeom prst="rect">
+            <a:avLst/>
+          </a:prstGeom>
+        </p:spPr>
+      </p:pic>
+    </p:spTree>
+    <p:extLst>
+      <p:ext uri="{BB962C8B-B14F-4D97-AF65-F5344CB8AC3E}">
+        <p14:creationId xmlns:p14="http://schemas.microsoft.com/office/powerpoint/2010/main" val="507976252"/>
+      </p:ext>
+    </p:extLst>
+  </p:cSld>
+  <p:clrMapOvr>
+    <a:masterClrMapping/>
+  </p:clrMapOvr>
+  <mc:AlternateContent xmlns:mc="http://schemas.openxmlformats.org/markup-compatibility/2006" xmlns:p14="http://schemas.microsoft.com/office/powerpoint/2010/main">
+    <mc:Choice Requires="p14">
+      <p:transition p14:dur="10"/>
+    </mc:Choice>
+    <mc:Fallback xmlns="">
+      <p:transition/>
+    </mc:Fallback>
+  </mc:AlternateContent>
+  <p:timing>
+    <p:tnLst>
+      <p:par>
+        <p:cTn id="1" dur="indefinite" restart="never" nodeType="tmRoot"/>
+      </p:par>
+    </p:tnLst>
+  </p:timing>
+</p:sld>
+</file>
+
+<file path=ppt/slides/slide25.xml><?xml version="1.0" encoding="utf-8"?>
+<p:sld xmlns:a="http://schemas.openxmlformats.org/drawingml/2006/main" xmlns:r="http://schemas.openxmlformats.org/officeDocument/2006/relationships" xmlns:p="http://schemas.openxmlformats.org/presentationml/2006/main">
+  <p:cSld>
+    <p:spTree>
+      <p:nvGrpSpPr>
+        <p:cNvPr id="1" name=""/>
+        <p:cNvGrpSpPr/>
+        <p:nvPr/>
+      </p:nvGrpSpPr>
+      <p:grpSpPr>
+        <a:xfrm>
+          <a:off x="0" y="0"/>
+          <a:ext cx="0" cy="0"/>
+          <a:chOff x="0" y="0"/>
+          <a:chExt cx="0" cy="0"/>
+        </a:xfrm>
+      </p:grpSpPr>
+      <p:sp>
+        <p:nvSpPr>
+          <p:cNvPr id="8" name="Title 7"/>
+          <p:cNvSpPr>
+            <a:spLocks noGrp="1"/>
+          </p:cNvSpPr>
+          <p:nvPr>
+            <p:ph type="title"/>
+          </p:nvPr>
+        </p:nvSpPr>
+        <p:spPr>
+          <a:xfrm>
+            <a:off x="4598356" y="469572"/>
+            <a:ext cx="6877119" cy="640080"/>
+          </a:xfrm>
+        </p:spPr>
+        <p:txBody>
+          <a:bodyPr>
+            <a:noAutofit/>
+          </a:bodyPr>
+          <a:lstStyle/>
+          <a:p>
+            <a:pPr algn="r" rtl="1"/>
+            <a:r>
+              <a:rPr lang="fa-IR" dirty="0" smtClean="0">
+                <a:latin typeface="Segoe UI Light" panose="020B0502040204020203" pitchFamily="34" charset="0"/>
+                <a:cs typeface="B Nazanin" panose="00000400000000000000" pitchFamily="2" charset="-78"/>
+              </a:rPr>
+              <a:t>انتقال داده در باند پایه</a:t>
+            </a:r>
+            <a:endParaRPr lang="en-US" dirty="0">
+              <a:latin typeface="Segoe UI Light" panose="020B0502040204020203" pitchFamily="34" charset="0"/>
+              <a:cs typeface="B Nazanin" panose="00000400000000000000" pitchFamily="2" charset="-78"/>
+            </a:endParaRPr>
+          </a:p>
+        </p:txBody>
+      </p:sp>
+      <p:pic>
+        <p:nvPicPr>
+          <p:cNvPr id="2" name="Picture 1"/>
+          <p:cNvPicPr>
+            <a:picLocks noChangeAspect="1"/>
+          </p:cNvPicPr>
+          <p:nvPr/>
+        </p:nvPicPr>
+        <p:blipFill>
+          <a:blip r:embed="rId2"/>
+          <a:stretch>
+            <a:fillRect/>
+          </a:stretch>
+        </p:blipFill>
+        <p:spPr>
+          <a:xfrm>
+            <a:off x="1533580" y="1201293"/>
+            <a:ext cx="8543925" cy="2400300"/>
+          </a:xfrm>
+          <a:prstGeom prst="rect">
+            <a:avLst/>
+          </a:prstGeom>
+        </p:spPr>
+      </p:pic>
+      <p:pic>
+        <p:nvPicPr>
+          <p:cNvPr id="3" name="Picture 2"/>
+          <p:cNvPicPr>
+            <a:picLocks noChangeAspect="1"/>
+          </p:cNvPicPr>
+          <p:nvPr/>
+        </p:nvPicPr>
+        <p:blipFill>
+          <a:blip r:embed="rId3"/>
+          <a:stretch>
+            <a:fillRect/>
+          </a:stretch>
+        </p:blipFill>
+        <p:spPr>
+          <a:xfrm>
+            <a:off x="1571680" y="3601593"/>
+            <a:ext cx="8505825" cy="3238500"/>
+          </a:xfrm>
+          <a:prstGeom prst="rect">
+            <a:avLst/>
+          </a:prstGeom>
+        </p:spPr>
+      </p:pic>
+    </p:spTree>
+    <p:extLst>
+      <p:ext uri="{BB962C8B-B14F-4D97-AF65-F5344CB8AC3E}">
+        <p14:creationId xmlns:p14="http://schemas.microsoft.com/office/powerpoint/2010/main" val="3467688575"/>
+      </p:ext>
+    </p:extLst>
+  </p:cSld>
+  <p:clrMapOvr>
+    <a:masterClrMapping/>
+  </p:clrMapOvr>
+  <mc:AlternateContent xmlns:mc="http://schemas.openxmlformats.org/markup-compatibility/2006" xmlns:p14="http://schemas.microsoft.com/office/powerpoint/2010/main">
+    <mc:Choice Requires="p14">
+      <p:transition p14:dur="10"/>
+    </mc:Choice>
+    <mc:Fallback xmlns="">
+      <p:transition/>
+    </mc:Fallback>
+  </mc:AlternateContent>
+  <p:timing>
+    <p:tnLst>
+      <p:par>
+        <p:cTn id="1" dur="indefinite" restart="never" nodeType="tmRoot"/>
+      </p:par>
+    </p:tnLst>
+  </p:timing>
+</p:sld>
+</file>
+
+<file path=ppt/slides/slide26.xml><?xml version="1.0" encoding="utf-8"?>
+<p:sld xmlns:a="http://schemas.openxmlformats.org/drawingml/2006/main" xmlns:r="http://schemas.openxmlformats.org/officeDocument/2006/relationships" xmlns:p="http://schemas.openxmlformats.org/presentationml/2006/main">
+  <p:cSld>
+    <p:spTree>
+      <p:nvGrpSpPr>
+        <p:cNvPr id="1" name=""/>
+        <p:cNvGrpSpPr/>
+        <p:nvPr/>
+      </p:nvGrpSpPr>
+      <p:grpSpPr>
+        <a:xfrm>
+          <a:off x="0" y="0"/>
+          <a:ext cx="0" cy="0"/>
+          <a:chOff x="0" y="0"/>
+          <a:chExt cx="0" cy="0"/>
+        </a:xfrm>
+      </p:grpSpPr>
+      <p:sp>
+        <p:nvSpPr>
+          <p:cNvPr id="8" name="Title 7"/>
+          <p:cNvSpPr>
+            <a:spLocks noGrp="1"/>
+          </p:cNvSpPr>
+          <p:nvPr>
+            <p:ph type="title"/>
+          </p:nvPr>
+        </p:nvSpPr>
+        <p:spPr>
+          <a:xfrm>
+            <a:off x="4598356" y="469572"/>
+            <a:ext cx="6877119" cy="640080"/>
+          </a:xfrm>
+        </p:spPr>
+        <p:txBody>
+          <a:bodyPr>
+            <a:noAutofit/>
+          </a:bodyPr>
+          <a:lstStyle/>
+          <a:p>
+            <a:pPr algn="r" rtl="1"/>
+            <a:r>
+              <a:rPr lang="fa-IR" dirty="0" smtClean="0">
+                <a:latin typeface="Segoe UI Light" panose="020B0502040204020203" pitchFamily="34" charset="0"/>
+                <a:cs typeface="B Nazanin" panose="00000400000000000000" pitchFamily="2" charset="-78"/>
+              </a:rPr>
+              <a:t>انتقال داده در باند پایه</a:t>
+            </a:r>
+            <a:endParaRPr lang="en-US" dirty="0">
+              <a:latin typeface="Segoe UI Light" panose="020B0502040204020203" pitchFamily="34" charset="0"/>
+              <a:cs typeface="B Nazanin" panose="00000400000000000000" pitchFamily="2" charset="-78"/>
+            </a:endParaRPr>
+          </a:p>
+        </p:txBody>
+      </p:sp>
+      <p:pic>
+        <p:nvPicPr>
+          <p:cNvPr id="2" name="Picture 1"/>
+          <p:cNvPicPr>
+            <a:picLocks noChangeAspect="1"/>
+          </p:cNvPicPr>
+          <p:nvPr/>
+        </p:nvPicPr>
+        <p:blipFill>
+          <a:blip r:embed="rId2"/>
+          <a:stretch>
+            <a:fillRect/>
+          </a:stretch>
+        </p:blipFill>
+        <p:spPr>
+          <a:xfrm>
+            <a:off x="4027674" y="1311255"/>
+            <a:ext cx="5857875" cy="771525"/>
+          </a:xfrm>
+          <a:prstGeom prst="rect">
+            <a:avLst/>
+          </a:prstGeom>
+        </p:spPr>
+      </p:pic>
+      <p:pic>
+        <p:nvPicPr>
+          <p:cNvPr id="3" name="Picture 2"/>
+          <p:cNvPicPr>
+            <a:picLocks noChangeAspect="1"/>
+          </p:cNvPicPr>
+          <p:nvPr/>
+        </p:nvPicPr>
+        <p:blipFill>
+          <a:blip r:embed="rId3"/>
+          <a:stretch>
+            <a:fillRect/>
+          </a:stretch>
+        </p:blipFill>
+        <p:spPr>
+          <a:xfrm>
+            <a:off x="1704639" y="2082780"/>
+            <a:ext cx="8610600" cy="2914650"/>
+          </a:xfrm>
+          <a:prstGeom prst="rect">
+            <a:avLst/>
+          </a:prstGeom>
+        </p:spPr>
+      </p:pic>
+    </p:spTree>
+    <p:extLst>
+      <p:ext uri="{BB962C8B-B14F-4D97-AF65-F5344CB8AC3E}">
+        <p14:creationId xmlns:p14="http://schemas.microsoft.com/office/powerpoint/2010/main" val="2983866830"/>
+      </p:ext>
+    </p:extLst>
+  </p:cSld>
+  <p:clrMapOvr>
+    <a:masterClrMapping/>
+  </p:clrMapOvr>
+  <mc:AlternateContent xmlns:mc="http://schemas.openxmlformats.org/markup-compatibility/2006" xmlns:p14="http://schemas.microsoft.com/office/powerpoint/2010/main">
+    <mc:Choice Requires="p14">
+      <p:transition p14:dur="10"/>
+    </mc:Choice>
+    <mc:Fallback xmlns="">
+      <p:transition/>
+    </mc:Fallback>
+  </mc:AlternateContent>
+  <p:timing>
+    <p:tnLst>
+      <p:par>
+        <p:cTn id="1" dur="indefinite" restart="never" nodeType="tmRoot"/>
+      </p:par>
+    </p:tnLst>
+  </p:timing>
+</p:sld>
+</file>
+
+<file path=ppt/slides/slide27.xml><?xml version="1.0" encoding="utf-8"?>
+<p:sld xmlns:a="http://schemas.openxmlformats.org/drawingml/2006/main" xmlns:r="http://schemas.openxmlformats.org/officeDocument/2006/relationships" xmlns:p="http://schemas.openxmlformats.org/presentationml/2006/main">
+  <p:cSld>
+    <p:spTree>
+      <p:nvGrpSpPr>
+        <p:cNvPr id="1" name=""/>
+        <p:cNvGrpSpPr/>
+        <p:nvPr/>
+      </p:nvGrpSpPr>
+      <p:grpSpPr>
+        <a:xfrm>
+          <a:off x="0" y="0"/>
+          <a:ext cx="0" cy="0"/>
+          <a:chOff x="0" y="0"/>
+          <a:chExt cx="0" cy="0"/>
+        </a:xfrm>
+      </p:grpSpPr>
+      <p:sp>
+        <p:nvSpPr>
+          <p:cNvPr id="8" name="Title 7"/>
+          <p:cNvSpPr>
+            <a:spLocks noGrp="1"/>
+          </p:cNvSpPr>
+          <p:nvPr>
+            <p:ph type="title"/>
+          </p:nvPr>
+        </p:nvSpPr>
+        <p:spPr>
+          <a:xfrm>
+            <a:off x="4598356" y="469572"/>
+            <a:ext cx="6877119" cy="640080"/>
+          </a:xfrm>
+        </p:spPr>
+        <p:txBody>
+          <a:bodyPr>
+            <a:noAutofit/>
+          </a:bodyPr>
+          <a:lstStyle/>
+          <a:p>
+            <a:pPr algn="r" rtl="1"/>
+            <a:r>
+              <a:rPr lang="fa-IR" dirty="0" smtClean="0">
+                <a:latin typeface="Segoe UI Light" panose="020B0502040204020203" pitchFamily="34" charset="0"/>
+                <a:cs typeface="B Nazanin" panose="00000400000000000000" pitchFamily="2" charset="-78"/>
+              </a:rPr>
+              <a:t>انتقال داده در باند پایه</a:t>
+            </a:r>
+            <a:endParaRPr lang="en-US" dirty="0">
+              <a:latin typeface="Segoe UI Light" panose="020B0502040204020203" pitchFamily="34" charset="0"/>
+              <a:cs typeface="B Nazanin" panose="00000400000000000000" pitchFamily="2" charset="-78"/>
+            </a:endParaRPr>
+          </a:p>
+        </p:txBody>
+      </p:sp>
+      <p:pic>
+        <p:nvPicPr>
+          <p:cNvPr id="2" name="Picture 1"/>
+          <p:cNvPicPr>
+            <a:picLocks noChangeAspect="1"/>
+          </p:cNvPicPr>
+          <p:nvPr/>
+        </p:nvPicPr>
+        <p:blipFill>
+          <a:blip r:embed="rId2"/>
+          <a:stretch>
+            <a:fillRect/>
+          </a:stretch>
+        </p:blipFill>
+        <p:spPr>
+          <a:xfrm>
+            <a:off x="1661608" y="1410866"/>
+            <a:ext cx="8610600" cy="5143500"/>
+          </a:xfrm>
+          <a:prstGeom prst="rect">
+            <a:avLst/>
+          </a:prstGeom>
+        </p:spPr>
+      </p:pic>
+    </p:spTree>
+    <p:extLst>
+      <p:ext uri="{BB962C8B-B14F-4D97-AF65-F5344CB8AC3E}">
+        <p14:creationId xmlns:p14="http://schemas.microsoft.com/office/powerpoint/2010/main" val="2776396051"/>
+      </p:ext>
+    </p:extLst>
+  </p:cSld>
+  <p:clrMapOvr>
+    <a:masterClrMapping/>
+  </p:clrMapOvr>
+  <mc:AlternateContent xmlns:mc="http://schemas.openxmlformats.org/markup-compatibility/2006" xmlns:p14="http://schemas.microsoft.com/office/powerpoint/2010/main">
+    <mc:Choice Requires="p14">
+      <p:transition p14:dur="10"/>
+    </mc:Choice>
+    <mc:Fallback xmlns="">
+      <p:transition/>
+    </mc:Fallback>
+  </mc:AlternateContent>
+  <p:timing>
+    <p:tnLst>
+      <p:par>
+        <p:cTn id="1" dur="indefinite" restart="never" nodeType="tmRoot"/>
+      </p:par>
+    </p:tnLst>
+  </p:timing>
+</p:sld>
+</file>
+
+<file path=ppt/slides/slide28.xml><?xml version="1.0" encoding="utf-8"?>
+<p:sld xmlns:a="http://schemas.openxmlformats.org/drawingml/2006/main" xmlns:r="http://schemas.openxmlformats.org/officeDocument/2006/relationships" xmlns:p="http://schemas.openxmlformats.org/presentationml/2006/main">
+  <p:cSld>
+    <p:spTree>
+      <p:nvGrpSpPr>
+        <p:cNvPr id="1" name=""/>
+        <p:cNvGrpSpPr/>
+        <p:nvPr/>
+      </p:nvGrpSpPr>
+      <p:grpSpPr>
+        <a:xfrm>
+          <a:off x="0" y="0"/>
+          <a:ext cx="0" cy="0"/>
+          <a:chOff x="0" y="0"/>
+          <a:chExt cx="0" cy="0"/>
+        </a:xfrm>
+      </p:grpSpPr>
+      <p:sp>
+        <p:nvSpPr>
+          <p:cNvPr id="8" name="Title 7"/>
+          <p:cNvSpPr>
+            <a:spLocks noGrp="1"/>
+          </p:cNvSpPr>
+          <p:nvPr>
+            <p:ph type="title"/>
+          </p:nvPr>
+        </p:nvSpPr>
+        <p:spPr>
+          <a:xfrm>
+            <a:off x="4598356" y="469572"/>
+            <a:ext cx="6877119" cy="640080"/>
+          </a:xfrm>
+        </p:spPr>
+        <p:txBody>
+          <a:bodyPr>
+            <a:noAutofit/>
+          </a:bodyPr>
+          <a:lstStyle/>
+          <a:p>
+            <a:pPr algn="r" rtl="1"/>
+            <a:r>
+              <a:rPr lang="fa-IR" dirty="0" smtClean="0">
+                <a:latin typeface="Segoe UI Light" panose="020B0502040204020203" pitchFamily="34" charset="0"/>
+                <a:cs typeface="B Nazanin" panose="00000400000000000000" pitchFamily="2" charset="-78"/>
+              </a:rPr>
+              <a:t>انتقال داده در باند پایه</a:t>
+            </a:r>
+            <a:endParaRPr lang="en-US" dirty="0">
+              <a:latin typeface="Segoe UI Light" panose="020B0502040204020203" pitchFamily="34" charset="0"/>
+              <a:cs typeface="B Nazanin" panose="00000400000000000000" pitchFamily="2" charset="-78"/>
+            </a:endParaRPr>
+          </a:p>
+        </p:txBody>
+      </p:sp>
+      <p:pic>
+        <p:nvPicPr>
+          <p:cNvPr id="3" name="Picture 2"/>
+          <p:cNvPicPr>
+            <a:picLocks noChangeAspect="1"/>
+          </p:cNvPicPr>
+          <p:nvPr/>
+        </p:nvPicPr>
+        <p:blipFill>
+          <a:blip r:embed="rId2"/>
+          <a:stretch>
+            <a:fillRect/>
+          </a:stretch>
+        </p:blipFill>
+        <p:spPr>
+          <a:xfrm>
+            <a:off x="1709569" y="1781175"/>
+            <a:ext cx="8686800" cy="3295650"/>
+          </a:xfrm>
+          <a:prstGeom prst="rect">
+            <a:avLst/>
+          </a:prstGeom>
+        </p:spPr>
+      </p:pic>
+    </p:spTree>
+    <p:extLst>
+      <p:ext uri="{BB962C8B-B14F-4D97-AF65-F5344CB8AC3E}">
+        <p14:creationId xmlns:p14="http://schemas.microsoft.com/office/powerpoint/2010/main" val="3099864515"/>
+      </p:ext>
+    </p:extLst>
+  </p:cSld>
+  <p:clrMapOvr>
+    <a:masterClrMapping/>
+  </p:clrMapOvr>
+  <mc:AlternateContent xmlns:mc="http://schemas.openxmlformats.org/markup-compatibility/2006" xmlns:p14="http://schemas.microsoft.com/office/powerpoint/2010/main">
+    <mc:Choice Requires="p14">
+      <p:transition p14:dur="10"/>
+    </mc:Choice>
+    <mc:Fallback xmlns="">
+      <p:transition/>
+    </mc:Fallback>
+  </mc:AlternateContent>
+  <p:timing>
+    <p:tnLst>
+      <p:par>
+        <p:cTn id="1" dur="indefinite" restart="never" nodeType="tmRoot"/>
+      </p:par>
+    </p:tnLst>
+  </p:timing>
+</p:sld>
+</file>
+
+<file path=ppt/slides/slide29.xml><?xml version="1.0" encoding="utf-8"?>
+<p:sld xmlns:a="http://schemas.openxmlformats.org/drawingml/2006/main" xmlns:r="http://schemas.openxmlformats.org/officeDocument/2006/relationships" xmlns:p="http://schemas.openxmlformats.org/presentationml/2006/main">
+  <p:cSld>
+    <p:spTree>
+      <p:nvGrpSpPr>
+        <p:cNvPr id="1" name=""/>
+        <p:cNvGrpSpPr/>
+        <p:nvPr/>
+      </p:nvGrpSpPr>
+      <p:grpSpPr>
+        <a:xfrm>
+          <a:off x="0" y="0"/>
+          <a:ext cx="0" cy="0"/>
+          <a:chOff x="0" y="0"/>
+          <a:chExt cx="0" cy="0"/>
+        </a:xfrm>
+      </p:grpSpPr>
+      <p:sp>
+        <p:nvSpPr>
+          <p:cNvPr id="8" name="Title 7"/>
+          <p:cNvSpPr>
+            <a:spLocks noGrp="1"/>
+          </p:cNvSpPr>
+          <p:nvPr>
+            <p:ph type="title"/>
+          </p:nvPr>
+        </p:nvSpPr>
+        <p:spPr>
+          <a:xfrm>
+            <a:off x="4598356" y="469572"/>
+            <a:ext cx="6877119" cy="640080"/>
+          </a:xfrm>
+        </p:spPr>
+        <p:txBody>
+          <a:bodyPr>
+            <a:noAutofit/>
+          </a:bodyPr>
+          <a:lstStyle/>
+          <a:p>
+            <a:pPr algn="r" rtl="1"/>
+            <a:r>
+              <a:rPr lang="fa-IR" dirty="0" smtClean="0">
+                <a:latin typeface="Segoe UI Light" panose="020B0502040204020203" pitchFamily="34" charset="0"/>
+                <a:cs typeface="B Nazanin" panose="00000400000000000000" pitchFamily="2" charset="-78"/>
+              </a:rPr>
+              <a:t>انتقال داده در باند پایه</a:t>
+            </a:r>
+            <a:endParaRPr lang="en-US" dirty="0">
+              <a:latin typeface="Segoe UI Light" panose="020B0502040204020203" pitchFamily="34" charset="0"/>
+              <a:cs typeface="B Nazanin" panose="00000400000000000000" pitchFamily="2" charset="-78"/>
+            </a:endParaRPr>
+          </a:p>
+        </p:txBody>
+      </p:sp>
+      <p:pic>
+        <p:nvPicPr>
+          <p:cNvPr id="2" name="Picture 1"/>
+          <p:cNvPicPr>
+            <a:picLocks noChangeAspect="1"/>
+          </p:cNvPicPr>
+          <p:nvPr/>
+        </p:nvPicPr>
+        <p:blipFill>
+          <a:blip r:embed="rId2"/>
+          <a:stretch>
+            <a:fillRect/>
+          </a:stretch>
+        </p:blipFill>
+        <p:spPr>
+          <a:xfrm>
+            <a:off x="1791933" y="1695898"/>
+            <a:ext cx="8629650" cy="4305300"/>
+          </a:xfrm>
+          <a:prstGeom prst="rect">
+            <a:avLst/>
+          </a:prstGeom>
+        </p:spPr>
+      </p:pic>
+    </p:spTree>
+    <p:extLst>
+      <p:ext uri="{BB962C8B-B14F-4D97-AF65-F5344CB8AC3E}">
+        <p14:creationId xmlns:p14="http://schemas.microsoft.com/office/powerpoint/2010/main" val="1795428183"/>
+      </p:ext>
+    </p:extLst>
+  </p:cSld>
+  <p:clrMapOvr>
+    <a:masterClrMapping/>
+  </p:clrMapOvr>
+  <mc:AlternateContent xmlns:mc="http://schemas.openxmlformats.org/markup-compatibility/2006" xmlns:p14="http://schemas.microsoft.com/office/powerpoint/2010/main">
+    <mc:Choice Requires="p14">
+      <p:transition p14:dur="10"/>
+    </mc:Choice>
+    <mc:Fallback xmlns="">
+      <p:transition/>
+    </mc:Fallback>
+  </mc:AlternateContent>
+  <p:timing>
+    <p:tnLst>
+      <p:par>
+        <p:cTn id="1" dur="indefinite" restart="never" nodeType="tmRoot"/>
+      </p:par>
+    </p:tnLst>
+  </p:timing>
+</p:sld>
+</file>
+
 <file path=ppt/slides/slide3.xml><?xml version="1.0" encoding="utf-8"?>
 <p:sld xmlns:a="http://schemas.openxmlformats.org/drawingml/2006/main" xmlns:r="http://schemas.openxmlformats.org/officeDocument/2006/relationships" xmlns:p="http://schemas.openxmlformats.org/presentationml/2006/main">
   <p:cSld>
@@ -3464,6 +4910,1114 @@
     <p:extLst>
       <p:ext uri="{BB962C8B-B14F-4D97-AF65-F5344CB8AC3E}">
         <p14:creationId xmlns:p14="http://schemas.microsoft.com/office/powerpoint/2010/main" val="603594691"/>
+      </p:ext>
+    </p:extLst>
+  </p:cSld>
+  <p:clrMapOvr>
+    <a:masterClrMapping/>
+  </p:clrMapOvr>
+  <mc:AlternateContent xmlns:mc="http://schemas.openxmlformats.org/markup-compatibility/2006" xmlns:p14="http://schemas.microsoft.com/office/powerpoint/2010/main">
+    <mc:Choice Requires="p14">
+      <p:transition p14:dur="10"/>
+    </mc:Choice>
+    <mc:Fallback xmlns="">
+      <p:transition/>
+    </mc:Fallback>
+  </mc:AlternateContent>
+  <p:timing>
+    <p:tnLst>
+      <p:par>
+        <p:cTn id="1" dur="indefinite" restart="never" nodeType="tmRoot"/>
+      </p:par>
+    </p:tnLst>
+  </p:timing>
+</p:sld>
+</file>
+
+<file path=ppt/slides/slide30.xml><?xml version="1.0" encoding="utf-8"?>
+<p:sld xmlns:a="http://schemas.openxmlformats.org/drawingml/2006/main" xmlns:r="http://schemas.openxmlformats.org/officeDocument/2006/relationships" xmlns:p="http://schemas.openxmlformats.org/presentationml/2006/main">
+  <p:cSld>
+    <p:spTree>
+      <p:nvGrpSpPr>
+        <p:cNvPr id="1" name=""/>
+        <p:cNvGrpSpPr/>
+        <p:nvPr/>
+      </p:nvGrpSpPr>
+      <p:grpSpPr>
+        <a:xfrm>
+          <a:off x="0" y="0"/>
+          <a:ext cx="0" cy="0"/>
+          <a:chOff x="0" y="0"/>
+          <a:chExt cx="0" cy="0"/>
+        </a:xfrm>
+      </p:grpSpPr>
+      <p:sp>
+        <p:nvSpPr>
+          <p:cNvPr id="8" name="Title 7"/>
+          <p:cNvSpPr>
+            <a:spLocks noGrp="1"/>
+          </p:cNvSpPr>
+          <p:nvPr>
+            <p:ph type="title"/>
+          </p:nvPr>
+        </p:nvSpPr>
+        <p:spPr>
+          <a:xfrm>
+            <a:off x="4598356" y="469572"/>
+            <a:ext cx="6877119" cy="640080"/>
+          </a:xfrm>
+        </p:spPr>
+        <p:txBody>
+          <a:bodyPr>
+            <a:noAutofit/>
+          </a:bodyPr>
+          <a:lstStyle/>
+          <a:p>
+            <a:pPr algn="r" rtl="1"/>
+            <a:r>
+              <a:rPr lang="fa-IR" dirty="0" smtClean="0">
+                <a:latin typeface="Segoe UI Light" panose="020B0502040204020203" pitchFamily="34" charset="0"/>
+                <a:cs typeface="B Nazanin" panose="00000400000000000000" pitchFamily="2" charset="-78"/>
+              </a:rPr>
+              <a:t>انتقال داده در باند پایه</a:t>
+            </a:r>
+            <a:endParaRPr lang="en-US" dirty="0">
+              <a:latin typeface="Segoe UI Light" panose="020B0502040204020203" pitchFamily="34" charset="0"/>
+              <a:cs typeface="B Nazanin" panose="00000400000000000000" pitchFamily="2" charset="-78"/>
+            </a:endParaRPr>
+          </a:p>
+        </p:txBody>
+      </p:sp>
+      <p:pic>
+        <p:nvPicPr>
+          <p:cNvPr id="2" name="Picture 1"/>
+          <p:cNvPicPr>
+            <a:picLocks noChangeAspect="1"/>
+          </p:cNvPicPr>
+          <p:nvPr/>
+        </p:nvPicPr>
+        <p:blipFill>
+          <a:blip r:embed="rId2"/>
+          <a:stretch>
+            <a:fillRect/>
+          </a:stretch>
+        </p:blipFill>
+        <p:spPr>
+          <a:xfrm>
+            <a:off x="1834794" y="1593420"/>
+            <a:ext cx="8543925" cy="4467225"/>
+          </a:xfrm>
+          <a:prstGeom prst="rect">
+            <a:avLst/>
+          </a:prstGeom>
+        </p:spPr>
+      </p:pic>
+    </p:spTree>
+    <p:extLst>
+      <p:ext uri="{BB962C8B-B14F-4D97-AF65-F5344CB8AC3E}">
+        <p14:creationId xmlns:p14="http://schemas.microsoft.com/office/powerpoint/2010/main" val="1451863071"/>
+      </p:ext>
+    </p:extLst>
+  </p:cSld>
+  <p:clrMapOvr>
+    <a:masterClrMapping/>
+  </p:clrMapOvr>
+  <mc:AlternateContent xmlns:mc="http://schemas.openxmlformats.org/markup-compatibility/2006" xmlns:p14="http://schemas.microsoft.com/office/powerpoint/2010/main">
+    <mc:Choice Requires="p14">
+      <p:transition p14:dur="10"/>
+    </mc:Choice>
+    <mc:Fallback xmlns="">
+      <p:transition/>
+    </mc:Fallback>
+  </mc:AlternateContent>
+  <p:timing>
+    <p:tnLst>
+      <p:par>
+        <p:cTn id="1" dur="indefinite" restart="never" nodeType="tmRoot"/>
+      </p:par>
+    </p:tnLst>
+  </p:timing>
+</p:sld>
+</file>
+
+<file path=ppt/slides/slide31.xml><?xml version="1.0" encoding="utf-8"?>
+<p:sld xmlns:a="http://schemas.openxmlformats.org/drawingml/2006/main" xmlns:r="http://schemas.openxmlformats.org/officeDocument/2006/relationships" xmlns:p="http://schemas.openxmlformats.org/presentationml/2006/main">
+  <p:cSld>
+    <p:spTree>
+      <p:nvGrpSpPr>
+        <p:cNvPr id="1" name=""/>
+        <p:cNvGrpSpPr/>
+        <p:nvPr/>
+      </p:nvGrpSpPr>
+      <p:grpSpPr>
+        <a:xfrm>
+          <a:off x="0" y="0"/>
+          <a:ext cx="0" cy="0"/>
+          <a:chOff x="0" y="0"/>
+          <a:chExt cx="0" cy="0"/>
+        </a:xfrm>
+      </p:grpSpPr>
+      <p:sp>
+        <p:nvSpPr>
+          <p:cNvPr id="8" name="Title 7"/>
+          <p:cNvSpPr>
+            <a:spLocks noGrp="1"/>
+          </p:cNvSpPr>
+          <p:nvPr>
+            <p:ph type="title"/>
+          </p:nvPr>
+        </p:nvSpPr>
+        <p:spPr>
+          <a:xfrm>
+            <a:off x="4598356" y="469572"/>
+            <a:ext cx="6877119" cy="640080"/>
+          </a:xfrm>
+        </p:spPr>
+        <p:txBody>
+          <a:bodyPr>
+            <a:noAutofit/>
+          </a:bodyPr>
+          <a:lstStyle/>
+          <a:p>
+            <a:pPr algn="r" rtl="1"/>
+            <a:r>
+              <a:rPr lang="fa-IR" dirty="0" smtClean="0">
+                <a:latin typeface="Segoe UI Light" panose="020B0502040204020203" pitchFamily="34" charset="0"/>
+                <a:cs typeface="B Nazanin" panose="00000400000000000000" pitchFamily="2" charset="-78"/>
+              </a:rPr>
+              <a:t>انتقال داده در باند پایه</a:t>
+            </a:r>
+            <a:endParaRPr lang="en-US" dirty="0">
+              <a:latin typeface="Segoe UI Light" panose="020B0502040204020203" pitchFamily="34" charset="0"/>
+              <a:cs typeface="B Nazanin" panose="00000400000000000000" pitchFamily="2" charset="-78"/>
+            </a:endParaRPr>
+          </a:p>
+        </p:txBody>
+      </p:sp>
+      <p:pic>
+        <p:nvPicPr>
+          <p:cNvPr id="2" name="Picture 1"/>
+          <p:cNvPicPr>
+            <a:picLocks noChangeAspect="1"/>
+          </p:cNvPicPr>
+          <p:nvPr/>
+        </p:nvPicPr>
+        <p:blipFill>
+          <a:blip r:embed="rId2"/>
+          <a:stretch>
+            <a:fillRect/>
+          </a:stretch>
+        </p:blipFill>
+        <p:spPr>
+          <a:xfrm>
+            <a:off x="2456890" y="1359778"/>
+            <a:ext cx="7600950" cy="2352675"/>
+          </a:xfrm>
+          <a:prstGeom prst="rect">
+            <a:avLst/>
+          </a:prstGeom>
+        </p:spPr>
+      </p:pic>
+    </p:spTree>
+    <p:extLst>
+      <p:ext uri="{BB962C8B-B14F-4D97-AF65-F5344CB8AC3E}">
+        <p14:creationId xmlns:p14="http://schemas.microsoft.com/office/powerpoint/2010/main" val="3433093778"/>
+      </p:ext>
+    </p:extLst>
+  </p:cSld>
+  <p:clrMapOvr>
+    <a:masterClrMapping/>
+  </p:clrMapOvr>
+  <mc:AlternateContent xmlns:mc="http://schemas.openxmlformats.org/markup-compatibility/2006" xmlns:p14="http://schemas.microsoft.com/office/powerpoint/2010/main">
+    <mc:Choice Requires="p14">
+      <p:transition p14:dur="10"/>
+    </mc:Choice>
+    <mc:Fallback xmlns="">
+      <p:transition/>
+    </mc:Fallback>
+  </mc:AlternateContent>
+  <p:timing>
+    <p:tnLst>
+      <p:par>
+        <p:cTn id="1" dur="indefinite" restart="never" nodeType="tmRoot"/>
+      </p:par>
+    </p:tnLst>
+  </p:timing>
+</p:sld>
+</file>
+
+<file path=ppt/slides/slide32.xml><?xml version="1.0" encoding="utf-8"?>
+<p:sld xmlns:a="http://schemas.openxmlformats.org/drawingml/2006/main" xmlns:r="http://schemas.openxmlformats.org/officeDocument/2006/relationships" xmlns:p="http://schemas.openxmlformats.org/presentationml/2006/main">
+  <p:cSld>
+    <p:spTree>
+      <p:nvGrpSpPr>
+        <p:cNvPr id="1" name=""/>
+        <p:cNvGrpSpPr/>
+        <p:nvPr/>
+      </p:nvGrpSpPr>
+      <p:grpSpPr>
+        <a:xfrm>
+          <a:off x="0" y="0"/>
+          <a:ext cx="0" cy="0"/>
+          <a:chOff x="0" y="0"/>
+          <a:chExt cx="0" cy="0"/>
+        </a:xfrm>
+      </p:grpSpPr>
+      <p:sp>
+        <p:nvSpPr>
+          <p:cNvPr id="8" name="Title 7"/>
+          <p:cNvSpPr>
+            <a:spLocks noGrp="1"/>
+          </p:cNvSpPr>
+          <p:nvPr>
+            <p:ph type="title"/>
+          </p:nvPr>
+        </p:nvSpPr>
+        <p:spPr>
+          <a:xfrm>
+            <a:off x="4598356" y="469572"/>
+            <a:ext cx="6877119" cy="640080"/>
+          </a:xfrm>
+        </p:spPr>
+        <p:txBody>
+          <a:bodyPr>
+            <a:noAutofit/>
+          </a:bodyPr>
+          <a:lstStyle/>
+          <a:p>
+            <a:pPr algn="r" rtl="1"/>
+            <a:r>
+              <a:rPr lang="fa-IR" dirty="0" smtClean="0">
+                <a:latin typeface="Segoe UI Light" panose="020B0502040204020203" pitchFamily="34" charset="0"/>
+                <a:cs typeface="B Nazanin" panose="00000400000000000000" pitchFamily="2" charset="-78"/>
+              </a:rPr>
+              <a:t>انتقال داده در باند پایه</a:t>
+            </a:r>
+            <a:endParaRPr lang="en-US" dirty="0">
+              <a:latin typeface="Segoe UI Light" panose="020B0502040204020203" pitchFamily="34" charset="0"/>
+              <a:cs typeface="B Nazanin" panose="00000400000000000000" pitchFamily="2" charset="-78"/>
+            </a:endParaRPr>
+          </a:p>
+        </p:txBody>
+      </p:sp>
+      <p:pic>
+        <p:nvPicPr>
+          <p:cNvPr id="2" name="Picture 1"/>
+          <p:cNvPicPr>
+            <a:picLocks noChangeAspect="1"/>
+          </p:cNvPicPr>
+          <p:nvPr/>
+        </p:nvPicPr>
+        <p:blipFill>
+          <a:blip r:embed="rId2"/>
+          <a:stretch>
+            <a:fillRect/>
+          </a:stretch>
+        </p:blipFill>
+        <p:spPr>
+          <a:xfrm>
+            <a:off x="1828800" y="1514475"/>
+            <a:ext cx="8534400" cy="3829050"/>
+          </a:xfrm>
+          <a:prstGeom prst="rect">
+            <a:avLst/>
+          </a:prstGeom>
+        </p:spPr>
+      </p:pic>
+    </p:spTree>
+    <p:extLst>
+      <p:ext uri="{BB962C8B-B14F-4D97-AF65-F5344CB8AC3E}">
+        <p14:creationId xmlns:p14="http://schemas.microsoft.com/office/powerpoint/2010/main" val="666097044"/>
+      </p:ext>
+    </p:extLst>
+  </p:cSld>
+  <p:clrMapOvr>
+    <a:masterClrMapping/>
+  </p:clrMapOvr>
+  <mc:AlternateContent xmlns:mc="http://schemas.openxmlformats.org/markup-compatibility/2006" xmlns:p14="http://schemas.microsoft.com/office/powerpoint/2010/main">
+    <mc:Choice Requires="p14">
+      <p:transition p14:dur="10"/>
+    </mc:Choice>
+    <mc:Fallback xmlns="">
+      <p:transition/>
+    </mc:Fallback>
+  </mc:AlternateContent>
+  <p:timing>
+    <p:tnLst>
+      <p:par>
+        <p:cTn id="1" dur="indefinite" restart="never" nodeType="tmRoot"/>
+      </p:par>
+    </p:tnLst>
+  </p:timing>
+</p:sld>
+</file>
+
+<file path=ppt/slides/slide33.xml><?xml version="1.0" encoding="utf-8"?>
+<p:sld xmlns:a="http://schemas.openxmlformats.org/drawingml/2006/main" xmlns:r="http://schemas.openxmlformats.org/officeDocument/2006/relationships" xmlns:p="http://schemas.openxmlformats.org/presentationml/2006/main">
+  <p:cSld>
+    <p:spTree>
+      <p:nvGrpSpPr>
+        <p:cNvPr id="1" name=""/>
+        <p:cNvGrpSpPr/>
+        <p:nvPr/>
+      </p:nvGrpSpPr>
+      <p:grpSpPr>
+        <a:xfrm>
+          <a:off x="0" y="0"/>
+          <a:ext cx="0" cy="0"/>
+          <a:chOff x="0" y="0"/>
+          <a:chExt cx="0" cy="0"/>
+        </a:xfrm>
+      </p:grpSpPr>
+      <p:sp>
+        <p:nvSpPr>
+          <p:cNvPr id="8" name="Title 7"/>
+          <p:cNvSpPr>
+            <a:spLocks noGrp="1"/>
+          </p:cNvSpPr>
+          <p:nvPr>
+            <p:ph type="title"/>
+          </p:nvPr>
+        </p:nvSpPr>
+        <p:spPr>
+          <a:xfrm>
+            <a:off x="4598356" y="469572"/>
+            <a:ext cx="6877119" cy="640080"/>
+          </a:xfrm>
+        </p:spPr>
+        <p:txBody>
+          <a:bodyPr>
+            <a:noAutofit/>
+          </a:bodyPr>
+          <a:lstStyle/>
+          <a:p>
+            <a:pPr algn="r" rtl="1"/>
+            <a:r>
+              <a:rPr lang="fa-IR" dirty="0" smtClean="0">
+                <a:latin typeface="Segoe UI Light" panose="020B0502040204020203" pitchFamily="34" charset="0"/>
+                <a:cs typeface="B Nazanin" panose="00000400000000000000" pitchFamily="2" charset="-78"/>
+              </a:rPr>
+              <a:t>انتقال داده در باند پایه</a:t>
+            </a:r>
+            <a:endParaRPr lang="en-US" dirty="0">
+              <a:latin typeface="Segoe UI Light" panose="020B0502040204020203" pitchFamily="34" charset="0"/>
+              <a:cs typeface="B Nazanin" panose="00000400000000000000" pitchFamily="2" charset="-78"/>
+            </a:endParaRPr>
+          </a:p>
+        </p:txBody>
+      </p:sp>
+      <p:pic>
+        <p:nvPicPr>
+          <p:cNvPr id="2" name="Picture 1"/>
+          <p:cNvPicPr>
+            <a:picLocks noChangeAspect="1"/>
+          </p:cNvPicPr>
+          <p:nvPr/>
+        </p:nvPicPr>
+        <p:blipFill>
+          <a:blip r:embed="rId2"/>
+          <a:stretch>
+            <a:fillRect/>
+          </a:stretch>
+        </p:blipFill>
+        <p:spPr>
+          <a:xfrm>
+            <a:off x="1798992" y="1996552"/>
+            <a:ext cx="8572500" cy="4629150"/>
+          </a:xfrm>
+          <a:prstGeom prst="rect">
+            <a:avLst/>
+          </a:prstGeom>
+        </p:spPr>
+      </p:pic>
+    </p:spTree>
+    <p:extLst>
+      <p:ext uri="{BB962C8B-B14F-4D97-AF65-F5344CB8AC3E}">
+        <p14:creationId xmlns:p14="http://schemas.microsoft.com/office/powerpoint/2010/main" val="236072000"/>
+      </p:ext>
+    </p:extLst>
+  </p:cSld>
+  <p:clrMapOvr>
+    <a:masterClrMapping/>
+  </p:clrMapOvr>
+  <mc:AlternateContent xmlns:mc="http://schemas.openxmlformats.org/markup-compatibility/2006" xmlns:p14="http://schemas.microsoft.com/office/powerpoint/2010/main">
+    <mc:Choice Requires="p14">
+      <p:transition p14:dur="10"/>
+    </mc:Choice>
+    <mc:Fallback xmlns="">
+      <p:transition/>
+    </mc:Fallback>
+  </mc:AlternateContent>
+  <p:timing>
+    <p:tnLst>
+      <p:par>
+        <p:cTn id="1" dur="indefinite" restart="never" nodeType="tmRoot"/>
+      </p:par>
+    </p:tnLst>
+  </p:timing>
+</p:sld>
+</file>
+
+<file path=ppt/slides/slide34.xml><?xml version="1.0" encoding="utf-8"?>
+<p:sld xmlns:a="http://schemas.openxmlformats.org/drawingml/2006/main" xmlns:r="http://schemas.openxmlformats.org/officeDocument/2006/relationships" xmlns:p="http://schemas.openxmlformats.org/presentationml/2006/main">
+  <p:cSld>
+    <p:spTree>
+      <p:nvGrpSpPr>
+        <p:cNvPr id="1" name=""/>
+        <p:cNvGrpSpPr/>
+        <p:nvPr/>
+      </p:nvGrpSpPr>
+      <p:grpSpPr>
+        <a:xfrm>
+          <a:off x="0" y="0"/>
+          <a:ext cx="0" cy="0"/>
+          <a:chOff x="0" y="0"/>
+          <a:chExt cx="0" cy="0"/>
+        </a:xfrm>
+      </p:grpSpPr>
+      <p:sp>
+        <p:nvSpPr>
+          <p:cNvPr id="8" name="Title 7"/>
+          <p:cNvSpPr>
+            <a:spLocks noGrp="1"/>
+          </p:cNvSpPr>
+          <p:nvPr>
+            <p:ph type="title"/>
+          </p:nvPr>
+        </p:nvSpPr>
+        <p:spPr>
+          <a:xfrm>
+            <a:off x="4598356" y="469572"/>
+            <a:ext cx="6877119" cy="640080"/>
+          </a:xfrm>
+        </p:spPr>
+        <p:txBody>
+          <a:bodyPr>
+            <a:noAutofit/>
+          </a:bodyPr>
+          <a:lstStyle/>
+          <a:p>
+            <a:pPr algn="r" rtl="1"/>
+            <a:r>
+              <a:rPr lang="fa-IR" dirty="0" smtClean="0">
+                <a:latin typeface="Segoe UI Light" panose="020B0502040204020203" pitchFamily="34" charset="0"/>
+                <a:cs typeface="B Nazanin" panose="00000400000000000000" pitchFamily="2" charset="-78"/>
+              </a:rPr>
+              <a:t>انتقال داده در باند پایه</a:t>
+            </a:r>
+            <a:endParaRPr lang="en-US" dirty="0">
+              <a:latin typeface="Segoe UI Light" panose="020B0502040204020203" pitchFamily="34" charset="0"/>
+              <a:cs typeface="B Nazanin" panose="00000400000000000000" pitchFamily="2" charset="-78"/>
+            </a:endParaRPr>
+          </a:p>
+        </p:txBody>
+      </p:sp>
+      <p:pic>
+        <p:nvPicPr>
+          <p:cNvPr id="2" name="Picture 1"/>
+          <p:cNvPicPr>
+            <a:picLocks noChangeAspect="1"/>
+          </p:cNvPicPr>
+          <p:nvPr/>
+        </p:nvPicPr>
+        <p:blipFill>
+          <a:blip r:embed="rId2"/>
+          <a:stretch>
+            <a:fillRect/>
+          </a:stretch>
+        </p:blipFill>
+        <p:spPr>
+          <a:xfrm>
+            <a:off x="2000250" y="2076450"/>
+            <a:ext cx="8191500" cy="2705100"/>
+          </a:xfrm>
+          <a:prstGeom prst="rect">
+            <a:avLst/>
+          </a:prstGeom>
+        </p:spPr>
+      </p:pic>
+    </p:spTree>
+    <p:extLst>
+      <p:ext uri="{BB962C8B-B14F-4D97-AF65-F5344CB8AC3E}">
+        <p14:creationId xmlns:p14="http://schemas.microsoft.com/office/powerpoint/2010/main" val="1006207523"/>
+      </p:ext>
+    </p:extLst>
+  </p:cSld>
+  <p:clrMapOvr>
+    <a:masterClrMapping/>
+  </p:clrMapOvr>
+  <mc:AlternateContent xmlns:mc="http://schemas.openxmlformats.org/markup-compatibility/2006" xmlns:p14="http://schemas.microsoft.com/office/powerpoint/2010/main">
+    <mc:Choice Requires="p14">
+      <p:transition p14:dur="10"/>
+    </mc:Choice>
+    <mc:Fallback xmlns="">
+      <p:transition/>
+    </mc:Fallback>
+  </mc:AlternateContent>
+  <p:timing>
+    <p:tnLst>
+      <p:par>
+        <p:cTn id="1" dur="indefinite" restart="never" nodeType="tmRoot"/>
+      </p:par>
+    </p:tnLst>
+  </p:timing>
+</p:sld>
+</file>
+
+<file path=ppt/slides/slide35.xml><?xml version="1.0" encoding="utf-8"?>
+<p:sld xmlns:a="http://schemas.openxmlformats.org/drawingml/2006/main" xmlns:r="http://schemas.openxmlformats.org/officeDocument/2006/relationships" xmlns:p="http://schemas.openxmlformats.org/presentationml/2006/main">
+  <p:cSld>
+    <p:spTree>
+      <p:nvGrpSpPr>
+        <p:cNvPr id="1" name=""/>
+        <p:cNvGrpSpPr/>
+        <p:nvPr/>
+      </p:nvGrpSpPr>
+      <p:grpSpPr>
+        <a:xfrm>
+          <a:off x="0" y="0"/>
+          <a:ext cx="0" cy="0"/>
+          <a:chOff x="0" y="0"/>
+          <a:chExt cx="0" cy="0"/>
+        </a:xfrm>
+      </p:grpSpPr>
+      <p:sp>
+        <p:nvSpPr>
+          <p:cNvPr id="8" name="Title 7"/>
+          <p:cNvSpPr>
+            <a:spLocks noGrp="1"/>
+          </p:cNvSpPr>
+          <p:nvPr>
+            <p:ph type="title"/>
+          </p:nvPr>
+        </p:nvSpPr>
+        <p:spPr>
+          <a:xfrm>
+            <a:off x="4598356" y="469572"/>
+            <a:ext cx="6877119" cy="640080"/>
+          </a:xfrm>
+        </p:spPr>
+        <p:txBody>
+          <a:bodyPr>
+            <a:noAutofit/>
+          </a:bodyPr>
+          <a:lstStyle/>
+          <a:p>
+            <a:pPr algn="r" rtl="1"/>
+            <a:r>
+              <a:rPr lang="fa-IR" dirty="0" smtClean="0">
+                <a:latin typeface="Segoe UI Light" panose="020B0502040204020203" pitchFamily="34" charset="0"/>
+                <a:cs typeface="B Nazanin" panose="00000400000000000000" pitchFamily="2" charset="-78"/>
+              </a:rPr>
+              <a:t>انتقال داده در باند پایه</a:t>
+            </a:r>
+            <a:endParaRPr lang="en-US" dirty="0">
+              <a:latin typeface="Segoe UI Light" panose="020B0502040204020203" pitchFamily="34" charset="0"/>
+              <a:cs typeface="B Nazanin" panose="00000400000000000000" pitchFamily="2" charset="-78"/>
+            </a:endParaRPr>
+          </a:p>
+        </p:txBody>
+      </p:sp>
+      <p:pic>
+        <p:nvPicPr>
+          <p:cNvPr id="2" name="Picture 1"/>
+          <p:cNvPicPr>
+            <a:picLocks noChangeAspect="1"/>
+          </p:cNvPicPr>
+          <p:nvPr/>
+        </p:nvPicPr>
+        <p:blipFill>
+          <a:blip r:embed="rId2"/>
+          <a:stretch>
+            <a:fillRect/>
+          </a:stretch>
+        </p:blipFill>
+        <p:spPr>
+          <a:xfrm>
+            <a:off x="1816977" y="1234440"/>
+            <a:ext cx="8601075" cy="3657600"/>
+          </a:xfrm>
+          <a:prstGeom prst="rect">
+            <a:avLst/>
+          </a:prstGeom>
+        </p:spPr>
+      </p:pic>
+      <p:pic>
+        <p:nvPicPr>
+          <p:cNvPr id="3" name="Picture 2"/>
+          <p:cNvPicPr>
+            <a:picLocks noChangeAspect="1"/>
+          </p:cNvPicPr>
+          <p:nvPr/>
+        </p:nvPicPr>
+        <p:blipFill>
+          <a:blip r:embed="rId3"/>
+          <a:stretch>
+            <a:fillRect/>
+          </a:stretch>
+        </p:blipFill>
+        <p:spPr>
+          <a:xfrm>
+            <a:off x="2017002" y="5016828"/>
+            <a:ext cx="8401050" cy="1400175"/>
+          </a:xfrm>
+          <a:prstGeom prst="rect">
+            <a:avLst/>
+          </a:prstGeom>
+        </p:spPr>
+      </p:pic>
+    </p:spTree>
+    <p:extLst>
+      <p:ext uri="{BB962C8B-B14F-4D97-AF65-F5344CB8AC3E}">
+        <p14:creationId xmlns:p14="http://schemas.microsoft.com/office/powerpoint/2010/main" val="82443899"/>
+      </p:ext>
+    </p:extLst>
+  </p:cSld>
+  <p:clrMapOvr>
+    <a:masterClrMapping/>
+  </p:clrMapOvr>
+  <mc:AlternateContent xmlns:mc="http://schemas.openxmlformats.org/markup-compatibility/2006" xmlns:p14="http://schemas.microsoft.com/office/powerpoint/2010/main">
+    <mc:Choice Requires="p14">
+      <p:transition p14:dur="10"/>
+    </mc:Choice>
+    <mc:Fallback xmlns="">
+      <p:transition/>
+    </mc:Fallback>
+  </mc:AlternateContent>
+  <p:timing>
+    <p:tnLst>
+      <p:par>
+        <p:cTn id="1" dur="indefinite" restart="never" nodeType="tmRoot"/>
+      </p:par>
+    </p:tnLst>
+  </p:timing>
+</p:sld>
+</file>
+
+<file path=ppt/slides/slide36.xml><?xml version="1.0" encoding="utf-8"?>
+<p:sld xmlns:a="http://schemas.openxmlformats.org/drawingml/2006/main" xmlns:r="http://schemas.openxmlformats.org/officeDocument/2006/relationships" xmlns:p="http://schemas.openxmlformats.org/presentationml/2006/main">
+  <p:cSld>
+    <p:spTree>
+      <p:nvGrpSpPr>
+        <p:cNvPr id="1" name=""/>
+        <p:cNvGrpSpPr/>
+        <p:nvPr/>
+      </p:nvGrpSpPr>
+      <p:grpSpPr>
+        <a:xfrm>
+          <a:off x="0" y="0"/>
+          <a:ext cx="0" cy="0"/>
+          <a:chOff x="0" y="0"/>
+          <a:chExt cx="0" cy="0"/>
+        </a:xfrm>
+      </p:grpSpPr>
+      <p:sp>
+        <p:nvSpPr>
+          <p:cNvPr id="8" name="Title 7"/>
+          <p:cNvSpPr>
+            <a:spLocks noGrp="1"/>
+          </p:cNvSpPr>
+          <p:nvPr>
+            <p:ph type="title"/>
+          </p:nvPr>
+        </p:nvSpPr>
+        <p:spPr>
+          <a:xfrm>
+            <a:off x="4598356" y="469572"/>
+            <a:ext cx="6877119" cy="640080"/>
+          </a:xfrm>
+        </p:spPr>
+        <p:txBody>
+          <a:bodyPr>
+            <a:noAutofit/>
+          </a:bodyPr>
+          <a:lstStyle/>
+          <a:p>
+            <a:pPr algn="r" rtl="1"/>
+            <a:r>
+              <a:rPr lang="fa-IR" dirty="0" smtClean="0">
+                <a:latin typeface="Segoe UI Light" panose="020B0502040204020203" pitchFamily="34" charset="0"/>
+                <a:cs typeface="B Nazanin" panose="00000400000000000000" pitchFamily="2" charset="-78"/>
+              </a:rPr>
+              <a:t>انتقال داده در باند پایه</a:t>
+            </a:r>
+            <a:endParaRPr lang="en-US" dirty="0">
+              <a:latin typeface="Segoe UI Light" panose="020B0502040204020203" pitchFamily="34" charset="0"/>
+              <a:cs typeface="B Nazanin" panose="00000400000000000000" pitchFamily="2" charset="-78"/>
+            </a:endParaRPr>
+          </a:p>
+        </p:txBody>
+      </p:sp>
+      <p:pic>
+        <p:nvPicPr>
+          <p:cNvPr id="3" name="Picture 2"/>
+          <p:cNvPicPr>
+            <a:picLocks noChangeAspect="1"/>
+          </p:cNvPicPr>
+          <p:nvPr/>
+        </p:nvPicPr>
+        <p:blipFill>
+          <a:blip r:embed="rId2"/>
+          <a:stretch>
+            <a:fillRect/>
+          </a:stretch>
+        </p:blipFill>
+        <p:spPr>
+          <a:xfrm>
+            <a:off x="1828800" y="1957387"/>
+            <a:ext cx="8534400" cy="2943225"/>
+          </a:xfrm>
+          <a:prstGeom prst="rect">
+            <a:avLst/>
+          </a:prstGeom>
+        </p:spPr>
+      </p:pic>
+    </p:spTree>
+    <p:extLst>
+      <p:ext uri="{BB962C8B-B14F-4D97-AF65-F5344CB8AC3E}">
+        <p14:creationId xmlns:p14="http://schemas.microsoft.com/office/powerpoint/2010/main" val="285735497"/>
+      </p:ext>
+    </p:extLst>
+  </p:cSld>
+  <p:clrMapOvr>
+    <a:masterClrMapping/>
+  </p:clrMapOvr>
+  <mc:AlternateContent xmlns:mc="http://schemas.openxmlformats.org/markup-compatibility/2006" xmlns:p14="http://schemas.microsoft.com/office/powerpoint/2010/main">
+    <mc:Choice Requires="p14">
+      <p:transition p14:dur="10"/>
+    </mc:Choice>
+    <mc:Fallback xmlns="">
+      <p:transition/>
+    </mc:Fallback>
+  </mc:AlternateContent>
+  <p:timing>
+    <p:tnLst>
+      <p:par>
+        <p:cTn id="1" dur="indefinite" restart="never" nodeType="tmRoot"/>
+      </p:par>
+    </p:tnLst>
+  </p:timing>
+</p:sld>
+</file>
+
+<file path=ppt/slides/slide37.xml><?xml version="1.0" encoding="utf-8"?>
+<p:sld xmlns:a="http://schemas.openxmlformats.org/drawingml/2006/main" xmlns:r="http://schemas.openxmlformats.org/officeDocument/2006/relationships" xmlns:p="http://schemas.openxmlformats.org/presentationml/2006/main">
+  <p:cSld>
+    <p:spTree>
+      <p:nvGrpSpPr>
+        <p:cNvPr id="1" name=""/>
+        <p:cNvGrpSpPr/>
+        <p:nvPr/>
+      </p:nvGrpSpPr>
+      <p:grpSpPr>
+        <a:xfrm>
+          <a:off x="0" y="0"/>
+          <a:ext cx="0" cy="0"/>
+          <a:chOff x="0" y="0"/>
+          <a:chExt cx="0" cy="0"/>
+        </a:xfrm>
+      </p:grpSpPr>
+      <p:sp>
+        <p:nvSpPr>
+          <p:cNvPr id="8" name="Title 7"/>
+          <p:cNvSpPr>
+            <a:spLocks noGrp="1"/>
+          </p:cNvSpPr>
+          <p:nvPr>
+            <p:ph type="title"/>
+          </p:nvPr>
+        </p:nvSpPr>
+        <p:spPr>
+          <a:xfrm>
+            <a:off x="4598356" y="469572"/>
+            <a:ext cx="6877119" cy="640080"/>
+          </a:xfrm>
+        </p:spPr>
+        <p:txBody>
+          <a:bodyPr>
+            <a:noAutofit/>
+          </a:bodyPr>
+          <a:lstStyle/>
+          <a:p>
+            <a:pPr algn="r" rtl="1"/>
+            <a:r>
+              <a:rPr lang="fa-IR" dirty="0" smtClean="0">
+                <a:latin typeface="Segoe UI Light" panose="020B0502040204020203" pitchFamily="34" charset="0"/>
+                <a:cs typeface="B Nazanin" panose="00000400000000000000" pitchFamily="2" charset="-78"/>
+              </a:rPr>
+              <a:t>انتقال داده در باند پایه</a:t>
+            </a:r>
+            <a:endParaRPr lang="en-US" dirty="0">
+              <a:latin typeface="Segoe UI Light" panose="020B0502040204020203" pitchFamily="34" charset="0"/>
+              <a:cs typeface="B Nazanin" panose="00000400000000000000" pitchFamily="2" charset="-78"/>
+            </a:endParaRPr>
+          </a:p>
+        </p:txBody>
+      </p:sp>
+      <p:pic>
+        <p:nvPicPr>
+          <p:cNvPr id="2" name="Picture 1"/>
+          <p:cNvPicPr>
+            <a:picLocks noChangeAspect="1"/>
+          </p:cNvPicPr>
+          <p:nvPr/>
+        </p:nvPicPr>
+        <p:blipFill>
+          <a:blip r:embed="rId2"/>
+          <a:stretch>
+            <a:fillRect/>
+          </a:stretch>
+        </p:blipFill>
+        <p:spPr>
+          <a:xfrm>
+            <a:off x="1747500" y="1207097"/>
+            <a:ext cx="8524875" cy="3733800"/>
+          </a:xfrm>
+          <a:prstGeom prst="rect">
+            <a:avLst/>
+          </a:prstGeom>
+        </p:spPr>
+      </p:pic>
+      <p:pic>
+        <p:nvPicPr>
+          <p:cNvPr id="3" name="Picture 2"/>
+          <p:cNvPicPr>
+            <a:picLocks noChangeAspect="1"/>
+          </p:cNvPicPr>
+          <p:nvPr/>
+        </p:nvPicPr>
+        <p:blipFill>
+          <a:blip r:embed="rId3"/>
+          <a:stretch>
+            <a:fillRect/>
+          </a:stretch>
+        </p:blipFill>
+        <p:spPr>
+          <a:xfrm>
+            <a:off x="1576050" y="4940897"/>
+            <a:ext cx="8696325" cy="1800225"/>
+          </a:xfrm>
+          <a:prstGeom prst="rect">
+            <a:avLst/>
+          </a:prstGeom>
+        </p:spPr>
+      </p:pic>
+    </p:spTree>
+    <p:extLst>
+      <p:ext uri="{BB962C8B-B14F-4D97-AF65-F5344CB8AC3E}">
+        <p14:creationId xmlns:p14="http://schemas.microsoft.com/office/powerpoint/2010/main" val="231932722"/>
+      </p:ext>
+    </p:extLst>
+  </p:cSld>
+  <p:clrMapOvr>
+    <a:masterClrMapping/>
+  </p:clrMapOvr>
+  <mc:AlternateContent xmlns:mc="http://schemas.openxmlformats.org/markup-compatibility/2006" xmlns:p14="http://schemas.microsoft.com/office/powerpoint/2010/main">
+    <mc:Choice Requires="p14">
+      <p:transition p14:dur="10"/>
+    </mc:Choice>
+    <mc:Fallback xmlns="">
+      <p:transition/>
+    </mc:Fallback>
+  </mc:AlternateContent>
+  <p:timing>
+    <p:tnLst>
+      <p:par>
+        <p:cTn id="1" dur="indefinite" restart="never" nodeType="tmRoot"/>
+      </p:par>
+    </p:tnLst>
+  </p:timing>
+</p:sld>
+</file>
+
+<file path=ppt/slides/slide38.xml><?xml version="1.0" encoding="utf-8"?>
+<p:sld xmlns:a="http://schemas.openxmlformats.org/drawingml/2006/main" xmlns:r="http://schemas.openxmlformats.org/officeDocument/2006/relationships" xmlns:p="http://schemas.openxmlformats.org/presentationml/2006/main">
+  <p:cSld>
+    <p:spTree>
+      <p:nvGrpSpPr>
+        <p:cNvPr id="1" name=""/>
+        <p:cNvGrpSpPr/>
+        <p:nvPr/>
+      </p:nvGrpSpPr>
+      <p:grpSpPr>
+        <a:xfrm>
+          <a:off x="0" y="0"/>
+          <a:ext cx="0" cy="0"/>
+          <a:chOff x="0" y="0"/>
+          <a:chExt cx="0" cy="0"/>
+        </a:xfrm>
+      </p:grpSpPr>
+      <p:sp>
+        <p:nvSpPr>
+          <p:cNvPr id="8" name="Title 7"/>
+          <p:cNvSpPr>
+            <a:spLocks noGrp="1"/>
+          </p:cNvSpPr>
+          <p:nvPr>
+            <p:ph type="title"/>
+          </p:nvPr>
+        </p:nvSpPr>
+        <p:spPr>
+          <a:xfrm>
+            <a:off x="4598356" y="469572"/>
+            <a:ext cx="6877119" cy="640080"/>
+          </a:xfrm>
+        </p:spPr>
+        <p:txBody>
+          <a:bodyPr>
+            <a:noAutofit/>
+          </a:bodyPr>
+          <a:lstStyle/>
+          <a:p>
+            <a:pPr algn="r" rtl="1"/>
+            <a:r>
+              <a:rPr lang="fa-IR" dirty="0" smtClean="0">
+                <a:latin typeface="Segoe UI Light" panose="020B0502040204020203" pitchFamily="34" charset="0"/>
+                <a:cs typeface="B Nazanin" panose="00000400000000000000" pitchFamily="2" charset="-78"/>
+              </a:rPr>
+              <a:t>انتقال داده در باند پایه</a:t>
+            </a:r>
+            <a:endParaRPr lang="en-US" dirty="0">
+              <a:latin typeface="Segoe UI Light" panose="020B0502040204020203" pitchFamily="34" charset="0"/>
+              <a:cs typeface="B Nazanin" panose="00000400000000000000" pitchFamily="2" charset="-78"/>
+            </a:endParaRPr>
+          </a:p>
+        </p:txBody>
+      </p:sp>
+      <p:pic>
+        <p:nvPicPr>
+          <p:cNvPr id="2" name="Picture 1"/>
+          <p:cNvPicPr>
+            <a:picLocks noChangeAspect="1"/>
+          </p:cNvPicPr>
+          <p:nvPr/>
+        </p:nvPicPr>
+        <p:blipFill>
+          <a:blip r:embed="rId2"/>
+          <a:stretch>
+            <a:fillRect/>
+          </a:stretch>
+        </p:blipFill>
+        <p:spPr>
+          <a:xfrm>
+            <a:off x="1575715" y="1313833"/>
+            <a:ext cx="8696325" cy="5133975"/>
+          </a:xfrm>
+          <a:prstGeom prst="rect">
+            <a:avLst/>
+          </a:prstGeom>
+        </p:spPr>
+      </p:pic>
+    </p:spTree>
+    <p:extLst>
+      <p:ext uri="{BB962C8B-B14F-4D97-AF65-F5344CB8AC3E}">
+        <p14:creationId xmlns:p14="http://schemas.microsoft.com/office/powerpoint/2010/main" val="3874263699"/>
+      </p:ext>
+    </p:extLst>
+  </p:cSld>
+  <p:clrMapOvr>
+    <a:masterClrMapping/>
+  </p:clrMapOvr>
+  <mc:AlternateContent xmlns:mc="http://schemas.openxmlformats.org/markup-compatibility/2006" xmlns:p14="http://schemas.microsoft.com/office/powerpoint/2010/main">
+    <mc:Choice Requires="p14">
+      <p:transition p14:dur="10"/>
+    </mc:Choice>
+    <mc:Fallback xmlns="">
+      <p:transition/>
+    </mc:Fallback>
+  </mc:AlternateContent>
+  <p:timing>
+    <p:tnLst>
+      <p:par>
+        <p:cTn id="1" dur="indefinite" restart="never" nodeType="tmRoot"/>
+      </p:par>
+    </p:tnLst>
+  </p:timing>
+</p:sld>
+</file>
+
+<file path=ppt/slides/slide39.xml><?xml version="1.0" encoding="utf-8"?>
+<p:sld xmlns:a="http://schemas.openxmlformats.org/drawingml/2006/main" xmlns:r="http://schemas.openxmlformats.org/officeDocument/2006/relationships" xmlns:p="http://schemas.openxmlformats.org/presentationml/2006/main">
+  <p:cSld>
+    <p:spTree>
+      <p:nvGrpSpPr>
+        <p:cNvPr id="1" name=""/>
+        <p:cNvGrpSpPr/>
+        <p:nvPr/>
+      </p:nvGrpSpPr>
+      <p:grpSpPr>
+        <a:xfrm>
+          <a:off x="0" y="0"/>
+          <a:ext cx="0" cy="0"/>
+          <a:chOff x="0" y="0"/>
+          <a:chExt cx="0" cy="0"/>
+        </a:xfrm>
+      </p:grpSpPr>
+      <p:sp>
+        <p:nvSpPr>
+          <p:cNvPr id="8" name="Title 7"/>
+          <p:cNvSpPr>
+            <a:spLocks noGrp="1"/>
+          </p:cNvSpPr>
+          <p:nvPr>
+            <p:ph type="title"/>
+          </p:nvPr>
+        </p:nvSpPr>
+        <p:spPr>
+          <a:xfrm>
+            <a:off x="4598356" y="469572"/>
+            <a:ext cx="6877119" cy="640080"/>
+          </a:xfrm>
+        </p:spPr>
+        <p:txBody>
+          <a:bodyPr>
+            <a:noAutofit/>
+          </a:bodyPr>
+          <a:lstStyle/>
+          <a:p>
+            <a:pPr algn="r" rtl="1"/>
+            <a:r>
+              <a:rPr lang="fa-IR" dirty="0" smtClean="0">
+                <a:latin typeface="Segoe UI Light" panose="020B0502040204020203" pitchFamily="34" charset="0"/>
+                <a:cs typeface="B Nazanin" panose="00000400000000000000" pitchFamily="2" charset="-78"/>
+              </a:rPr>
+              <a:t>انتقال داده در باند پایه</a:t>
+            </a:r>
+            <a:endParaRPr lang="en-US" dirty="0">
+              <a:latin typeface="Segoe UI Light" panose="020B0502040204020203" pitchFamily="34" charset="0"/>
+              <a:cs typeface="B Nazanin" panose="00000400000000000000" pitchFamily="2" charset="-78"/>
+            </a:endParaRPr>
+          </a:p>
+        </p:txBody>
+      </p:sp>
+      <p:pic>
+        <p:nvPicPr>
+          <p:cNvPr id="2" name="Picture 1"/>
+          <p:cNvPicPr>
+            <a:picLocks noChangeAspect="1"/>
+          </p:cNvPicPr>
+          <p:nvPr/>
+        </p:nvPicPr>
+        <p:blipFill>
+          <a:blip r:embed="rId2"/>
+          <a:stretch>
+            <a:fillRect/>
+          </a:stretch>
+        </p:blipFill>
+        <p:spPr>
+          <a:xfrm>
+            <a:off x="1675895" y="1530443"/>
+            <a:ext cx="8582025" cy="4657725"/>
+          </a:xfrm>
+          <a:prstGeom prst="rect">
+            <a:avLst/>
+          </a:prstGeom>
+        </p:spPr>
+      </p:pic>
+    </p:spTree>
+    <p:extLst>
+      <p:ext uri="{BB962C8B-B14F-4D97-AF65-F5344CB8AC3E}">
+        <p14:creationId xmlns:p14="http://schemas.microsoft.com/office/powerpoint/2010/main" val="2376793644"/>
       </p:ext>
     </p:extLst>
   </p:cSld>
@@ -3594,6 +6148,488 @@
     <p:extLst>
       <p:ext uri="{BB962C8B-B14F-4D97-AF65-F5344CB8AC3E}">
         <p14:creationId xmlns:p14="http://schemas.microsoft.com/office/powerpoint/2010/main" val="3040572169"/>
+      </p:ext>
+    </p:extLst>
+  </p:cSld>
+  <p:clrMapOvr>
+    <a:masterClrMapping/>
+  </p:clrMapOvr>
+  <mc:AlternateContent xmlns:mc="http://schemas.openxmlformats.org/markup-compatibility/2006" xmlns:p14="http://schemas.microsoft.com/office/powerpoint/2010/main">
+    <mc:Choice Requires="p14">
+      <p:transition p14:dur="10"/>
+    </mc:Choice>
+    <mc:Fallback xmlns="">
+      <p:transition/>
+    </mc:Fallback>
+  </mc:AlternateContent>
+  <p:timing>
+    <p:tnLst>
+      <p:par>
+        <p:cTn id="1" dur="indefinite" restart="never" nodeType="tmRoot"/>
+      </p:par>
+    </p:tnLst>
+  </p:timing>
+</p:sld>
+</file>
+
+<file path=ppt/slides/slide40.xml><?xml version="1.0" encoding="utf-8"?>
+<p:sld xmlns:a="http://schemas.openxmlformats.org/drawingml/2006/main" xmlns:r="http://schemas.openxmlformats.org/officeDocument/2006/relationships" xmlns:p="http://schemas.openxmlformats.org/presentationml/2006/main">
+  <p:cSld>
+    <p:spTree>
+      <p:nvGrpSpPr>
+        <p:cNvPr id="1" name=""/>
+        <p:cNvGrpSpPr/>
+        <p:nvPr/>
+      </p:nvGrpSpPr>
+      <p:grpSpPr>
+        <a:xfrm>
+          <a:off x="0" y="0"/>
+          <a:ext cx="0" cy="0"/>
+          <a:chOff x="0" y="0"/>
+          <a:chExt cx="0" cy="0"/>
+        </a:xfrm>
+      </p:grpSpPr>
+      <p:sp>
+        <p:nvSpPr>
+          <p:cNvPr id="8" name="Title 7"/>
+          <p:cNvSpPr>
+            <a:spLocks noGrp="1"/>
+          </p:cNvSpPr>
+          <p:nvPr>
+            <p:ph type="title"/>
+          </p:nvPr>
+        </p:nvSpPr>
+        <p:spPr>
+          <a:xfrm>
+            <a:off x="4598356" y="469572"/>
+            <a:ext cx="6877119" cy="640080"/>
+          </a:xfrm>
+        </p:spPr>
+        <p:txBody>
+          <a:bodyPr>
+            <a:noAutofit/>
+          </a:bodyPr>
+          <a:lstStyle/>
+          <a:p>
+            <a:pPr algn="r" rtl="1"/>
+            <a:r>
+              <a:rPr lang="fa-IR" dirty="0" smtClean="0">
+                <a:latin typeface="Segoe UI Light" panose="020B0502040204020203" pitchFamily="34" charset="0"/>
+                <a:cs typeface="B Nazanin" panose="00000400000000000000" pitchFamily="2" charset="-78"/>
+              </a:rPr>
+              <a:t>انتقال داده در باند پایه</a:t>
+            </a:r>
+            <a:endParaRPr lang="en-US" dirty="0">
+              <a:latin typeface="Segoe UI Light" panose="020B0502040204020203" pitchFamily="34" charset="0"/>
+              <a:cs typeface="B Nazanin" panose="00000400000000000000" pitchFamily="2" charset="-78"/>
+            </a:endParaRPr>
+          </a:p>
+        </p:txBody>
+      </p:sp>
+      <p:pic>
+        <p:nvPicPr>
+          <p:cNvPr id="2" name="Picture 1"/>
+          <p:cNvPicPr>
+            <a:picLocks noChangeAspect="1"/>
+          </p:cNvPicPr>
+          <p:nvPr/>
+        </p:nvPicPr>
+        <p:blipFill>
+          <a:blip r:embed="rId2"/>
+          <a:stretch>
+            <a:fillRect/>
+          </a:stretch>
+        </p:blipFill>
+        <p:spPr>
+          <a:xfrm>
+            <a:off x="1860737" y="1502037"/>
+            <a:ext cx="8362950" cy="4800600"/>
+          </a:xfrm>
+          <a:prstGeom prst="rect">
+            <a:avLst/>
+          </a:prstGeom>
+        </p:spPr>
+      </p:pic>
+    </p:spTree>
+    <p:extLst>
+      <p:ext uri="{BB962C8B-B14F-4D97-AF65-F5344CB8AC3E}">
+        <p14:creationId xmlns:p14="http://schemas.microsoft.com/office/powerpoint/2010/main" val="3507498079"/>
+      </p:ext>
+    </p:extLst>
+  </p:cSld>
+  <p:clrMapOvr>
+    <a:masterClrMapping/>
+  </p:clrMapOvr>
+  <mc:AlternateContent xmlns:mc="http://schemas.openxmlformats.org/markup-compatibility/2006" xmlns:p14="http://schemas.microsoft.com/office/powerpoint/2010/main">
+    <mc:Choice Requires="p14">
+      <p:transition p14:dur="10"/>
+    </mc:Choice>
+    <mc:Fallback xmlns="">
+      <p:transition/>
+    </mc:Fallback>
+  </mc:AlternateContent>
+  <p:timing>
+    <p:tnLst>
+      <p:par>
+        <p:cTn id="1" dur="indefinite" restart="never" nodeType="tmRoot"/>
+      </p:par>
+    </p:tnLst>
+  </p:timing>
+</p:sld>
+</file>
+
+<file path=ppt/slides/slide41.xml><?xml version="1.0" encoding="utf-8"?>
+<p:sld xmlns:a="http://schemas.openxmlformats.org/drawingml/2006/main" xmlns:r="http://schemas.openxmlformats.org/officeDocument/2006/relationships" xmlns:p="http://schemas.openxmlformats.org/presentationml/2006/main">
+  <p:cSld>
+    <p:spTree>
+      <p:nvGrpSpPr>
+        <p:cNvPr id="1" name=""/>
+        <p:cNvGrpSpPr/>
+        <p:nvPr/>
+      </p:nvGrpSpPr>
+      <p:grpSpPr>
+        <a:xfrm>
+          <a:off x="0" y="0"/>
+          <a:ext cx="0" cy="0"/>
+          <a:chOff x="0" y="0"/>
+          <a:chExt cx="0" cy="0"/>
+        </a:xfrm>
+      </p:grpSpPr>
+      <p:sp>
+        <p:nvSpPr>
+          <p:cNvPr id="8" name="Title 7"/>
+          <p:cNvSpPr>
+            <a:spLocks noGrp="1"/>
+          </p:cNvSpPr>
+          <p:nvPr>
+            <p:ph type="title"/>
+          </p:nvPr>
+        </p:nvSpPr>
+        <p:spPr>
+          <a:xfrm>
+            <a:off x="4598356" y="469572"/>
+            <a:ext cx="6877119" cy="640080"/>
+          </a:xfrm>
+        </p:spPr>
+        <p:txBody>
+          <a:bodyPr>
+            <a:noAutofit/>
+          </a:bodyPr>
+          <a:lstStyle/>
+          <a:p>
+            <a:pPr algn="r" rtl="1"/>
+            <a:r>
+              <a:rPr lang="fa-IR" dirty="0" smtClean="0">
+                <a:latin typeface="Segoe UI Light" panose="020B0502040204020203" pitchFamily="34" charset="0"/>
+                <a:cs typeface="B Nazanin" panose="00000400000000000000" pitchFamily="2" charset="-78"/>
+              </a:rPr>
+              <a:t>انتقال داده در باند پایه</a:t>
+            </a:r>
+            <a:endParaRPr lang="en-US" dirty="0">
+              <a:latin typeface="Segoe UI Light" panose="020B0502040204020203" pitchFamily="34" charset="0"/>
+              <a:cs typeface="B Nazanin" panose="00000400000000000000" pitchFamily="2" charset="-78"/>
+            </a:endParaRPr>
+          </a:p>
+        </p:txBody>
+      </p:sp>
+      <p:pic>
+        <p:nvPicPr>
+          <p:cNvPr id="2" name="Picture 1"/>
+          <p:cNvPicPr>
+            <a:picLocks noChangeAspect="1"/>
+          </p:cNvPicPr>
+          <p:nvPr/>
+        </p:nvPicPr>
+        <p:blipFill>
+          <a:blip r:embed="rId2"/>
+          <a:stretch>
+            <a:fillRect/>
+          </a:stretch>
+        </p:blipFill>
+        <p:spPr>
+          <a:xfrm>
+            <a:off x="2038350" y="1747837"/>
+            <a:ext cx="8115300" cy="3362325"/>
+          </a:xfrm>
+          <a:prstGeom prst="rect">
+            <a:avLst/>
+          </a:prstGeom>
+        </p:spPr>
+      </p:pic>
+    </p:spTree>
+    <p:extLst>
+      <p:ext uri="{BB962C8B-B14F-4D97-AF65-F5344CB8AC3E}">
+        <p14:creationId xmlns:p14="http://schemas.microsoft.com/office/powerpoint/2010/main" val="4152100531"/>
+      </p:ext>
+    </p:extLst>
+  </p:cSld>
+  <p:clrMapOvr>
+    <a:masterClrMapping/>
+  </p:clrMapOvr>
+  <mc:AlternateContent xmlns:mc="http://schemas.openxmlformats.org/markup-compatibility/2006" xmlns:p14="http://schemas.microsoft.com/office/powerpoint/2010/main">
+    <mc:Choice Requires="p14">
+      <p:transition p14:dur="10"/>
+    </mc:Choice>
+    <mc:Fallback xmlns="">
+      <p:transition/>
+    </mc:Fallback>
+  </mc:AlternateContent>
+  <p:timing>
+    <p:tnLst>
+      <p:par>
+        <p:cTn id="1" dur="indefinite" restart="never" nodeType="tmRoot"/>
+      </p:par>
+    </p:tnLst>
+  </p:timing>
+</p:sld>
+</file>
+
+<file path=ppt/slides/slide42.xml><?xml version="1.0" encoding="utf-8"?>
+<p:sld xmlns:a="http://schemas.openxmlformats.org/drawingml/2006/main" xmlns:r="http://schemas.openxmlformats.org/officeDocument/2006/relationships" xmlns:p="http://schemas.openxmlformats.org/presentationml/2006/main">
+  <p:cSld>
+    <p:spTree>
+      <p:nvGrpSpPr>
+        <p:cNvPr id="1" name=""/>
+        <p:cNvGrpSpPr/>
+        <p:nvPr/>
+      </p:nvGrpSpPr>
+      <p:grpSpPr>
+        <a:xfrm>
+          <a:off x="0" y="0"/>
+          <a:ext cx="0" cy="0"/>
+          <a:chOff x="0" y="0"/>
+          <a:chExt cx="0" cy="0"/>
+        </a:xfrm>
+      </p:grpSpPr>
+      <p:sp>
+        <p:nvSpPr>
+          <p:cNvPr id="8" name="Title 7"/>
+          <p:cNvSpPr>
+            <a:spLocks noGrp="1"/>
+          </p:cNvSpPr>
+          <p:nvPr>
+            <p:ph type="title"/>
+          </p:nvPr>
+        </p:nvSpPr>
+        <p:spPr>
+          <a:xfrm>
+            <a:off x="4598356" y="469572"/>
+            <a:ext cx="6877119" cy="640080"/>
+          </a:xfrm>
+        </p:spPr>
+        <p:txBody>
+          <a:bodyPr>
+            <a:noAutofit/>
+          </a:bodyPr>
+          <a:lstStyle/>
+          <a:p>
+            <a:pPr algn="r" rtl="1"/>
+            <a:r>
+              <a:rPr lang="fa-IR" dirty="0" smtClean="0">
+                <a:latin typeface="Segoe UI Light" panose="020B0502040204020203" pitchFamily="34" charset="0"/>
+                <a:cs typeface="B Nazanin" panose="00000400000000000000" pitchFamily="2" charset="-78"/>
+              </a:rPr>
+              <a:t>انتقال داده در باند پایه</a:t>
+            </a:r>
+            <a:endParaRPr lang="en-US" dirty="0">
+              <a:latin typeface="Segoe UI Light" panose="020B0502040204020203" pitchFamily="34" charset="0"/>
+              <a:cs typeface="B Nazanin" panose="00000400000000000000" pitchFamily="2" charset="-78"/>
+            </a:endParaRPr>
+          </a:p>
+        </p:txBody>
+      </p:sp>
+      <p:pic>
+        <p:nvPicPr>
+          <p:cNvPr id="2" name="Picture 1"/>
+          <p:cNvPicPr>
+            <a:picLocks noChangeAspect="1"/>
+          </p:cNvPicPr>
+          <p:nvPr/>
+        </p:nvPicPr>
+        <p:blipFill>
+          <a:blip r:embed="rId2"/>
+          <a:stretch>
+            <a:fillRect/>
+          </a:stretch>
+        </p:blipFill>
+        <p:spPr>
+          <a:xfrm>
+            <a:off x="1889815" y="1631408"/>
+            <a:ext cx="8562975" cy="3724275"/>
+          </a:xfrm>
+          <a:prstGeom prst="rect">
+            <a:avLst/>
+          </a:prstGeom>
+        </p:spPr>
+      </p:pic>
+    </p:spTree>
+    <p:extLst>
+      <p:ext uri="{BB962C8B-B14F-4D97-AF65-F5344CB8AC3E}">
+        <p14:creationId xmlns:p14="http://schemas.microsoft.com/office/powerpoint/2010/main" val="1051252586"/>
+      </p:ext>
+    </p:extLst>
+  </p:cSld>
+  <p:clrMapOvr>
+    <a:masterClrMapping/>
+  </p:clrMapOvr>
+  <mc:AlternateContent xmlns:mc="http://schemas.openxmlformats.org/markup-compatibility/2006" xmlns:p14="http://schemas.microsoft.com/office/powerpoint/2010/main">
+    <mc:Choice Requires="p14">
+      <p:transition p14:dur="10"/>
+    </mc:Choice>
+    <mc:Fallback xmlns="">
+      <p:transition/>
+    </mc:Fallback>
+  </mc:AlternateContent>
+  <p:timing>
+    <p:tnLst>
+      <p:par>
+        <p:cTn id="1" dur="indefinite" restart="never" nodeType="tmRoot"/>
+      </p:par>
+    </p:tnLst>
+  </p:timing>
+</p:sld>
+</file>
+
+<file path=ppt/slides/slide43.xml><?xml version="1.0" encoding="utf-8"?>
+<p:sld xmlns:a="http://schemas.openxmlformats.org/drawingml/2006/main" xmlns:r="http://schemas.openxmlformats.org/officeDocument/2006/relationships" xmlns:p="http://schemas.openxmlformats.org/presentationml/2006/main">
+  <p:cSld>
+    <p:spTree>
+      <p:nvGrpSpPr>
+        <p:cNvPr id="1" name=""/>
+        <p:cNvGrpSpPr/>
+        <p:nvPr/>
+      </p:nvGrpSpPr>
+      <p:grpSpPr>
+        <a:xfrm>
+          <a:off x="0" y="0"/>
+          <a:ext cx="0" cy="0"/>
+          <a:chOff x="0" y="0"/>
+          <a:chExt cx="0" cy="0"/>
+        </a:xfrm>
+      </p:grpSpPr>
+      <p:sp>
+        <p:nvSpPr>
+          <p:cNvPr id="8" name="Title 7"/>
+          <p:cNvSpPr>
+            <a:spLocks noGrp="1"/>
+          </p:cNvSpPr>
+          <p:nvPr>
+            <p:ph type="title"/>
+          </p:nvPr>
+        </p:nvSpPr>
+        <p:spPr>
+          <a:xfrm>
+            <a:off x="4598356" y="469572"/>
+            <a:ext cx="6877119" cy="640080"/>
+          </a:xfrm>
+        </p:spPr>
+        <p:txBody>
+          <a:bodyPr>
+            <a:noAutofit/>
+          </a:bodyPr>
+          <a:lstStyle/>
+          <a:p>
+            <a:pPr algn="r" rtl="1"/>
+            <a:r>
+              <a:rPr lang="fa-IR" dirty="0" smtClean="0">
+                <a:latin typeface="Segoe UI Light" panose="020B0502040204020203" pitchFamily="34" charset="0"/>
+                <a:cs typeface="B Nazanin" panose="00000400000000000000" pitchFamily="2" charset="-78"/>
+              </a:rPr>
+              <a:t>انتقال داده در باند پایه</a:t>
+            </a:r>
+            <a:endParaRPr lang="en-US" dirty="0">
+              <a:latin typeface="Segoe UI Light" panose="020B0502040204020203" pitchFamily="34" charset="0"/>
+              <a:cs typeface="B Nazanin" panose="00000400000000000000" pitchFamily="2" charset="-78"/>
+            </a:endParaRPr>
+          </a:p>
+        </p:txBody>
+      </p:sp>
+    </p:spTree>
+    <p:extLst>
+      <p:ext uri="{BB962C8B-B14F-4D97-AF65-F5344CB8AC3E}">
+        <p14:creationId xmlns:p14="http://schemas.microsoft.com/office/powerpoint/2010/main" val="1686095899"/>
+      </p:ext>
+    </p:extLst>
+  </p:cSld>
+  <p:clrMapOvr>
+    <a:masterClrMapping/>
+  </p:clrMapOvr>
+  <mc:AlternateContent xmlns:mc="http://schemas.openxmlformats.org/markup-compatibility/2006" xmlns:p14="http://schemas.microsoft.com/office/powerpoint/2010/main">
+    <mc:Choice Requires="p14">
+      <p:transition p14:dur="10"/>
+    </mc:Choice>
+    <mc:Fallback xmlns="">
+      <p:transition/>
+    </mc:Fallback>
+  </mc:AlternateContent>
+  <p:timing>
+    <p:tnLst>
+      <p:par>
+        <p:cTn id="1" dur="indefinite" restart="never" nodeType="tmRoot"/>
+      </p:par>
+    </p:tnLst>
+  </p:timing>
+</p:sld>
+</file>
+
+<file path=ppt/slides/slide44.xml><?xml version="1.0" encoding="utf-8"?>
+<p:sld xmlns:a="http://schemas.openxmlformats.org/drawingml/2006/main" xmlns:r="http://schemas.openxmlformats.org/officeDocument/2006/relationships" xmlns:p="http://schemas.openxmlformats.org/presentationml/2006/main">
+  <p:cSld>
+    <p:spTree>
+      <p:nvGrpSpPr>
+        <p:cNvPr id="1" name=""/>
+        <p:cNvGrpSpPr/>
+        <p:nvPr/>
+      </p:nvGrpSpPr>
+      <p:grpSpPr>
+        <a:xfrm>
+          <a:off x="0" y="0"/>
+          <a:ext cx="0" cy="0"/>
+          <a:chOff x="0" y="0"/>
+          <a:chExt cx="0" cy="0"/>
+        </a:xfrm>
+      </p:grpSpPr>
+      <p:sp>
+        <p:nvSpPr>
+          <p:cNvPr id="8" name="Title 7"/>
+          <p:cNvSpPr>
+            <a:spLocks noGrp="1"/>
+          </p:cNvSpPr>
+          <p:nvPr>
+            <p:ph type="title"/>
+          </p:nvPr>
+        </p:nvSpPr>
+        <p:spPr>
+          <a:xfrm>
+            <a:off x="4598356" y="469572"/>
+            <a:ext cx="6877119" cy="640080"/>
+          </a:xfrm>
+        </p:spPr>
+        <p:txBody>
+          <a:bodyPr>
+            <a:noAutofit/>
+          </a:bodyPr>
+          <a:lstStyle/>
+          <a:p>
+            <a:pPr algn="r" rtl="1"/>
+            <a:r>
+              <a:rPr lang="fa-IR" dirty="0" smtClean="0">
+                <a:latin typeface="Segoe UI Light" panose="020B0502040204020203" pitchFamily="34" charset="0"/>
+                <a:cs typeface="B Nazanin" panose="00000400000000000000" pitchFamily="2" charset="-78"/>
+              </a:rPr>
+              <a:t>انتقال داده در باند پایه</a:t>
+            </a:r>
+            <a:endParaRPr lang="en-US" dirty="0">
+              <a:latin typeface="Segoe UI Light" panose="020B0502040204020203" pitchFamily="34" charset="0"/>
+              <a:cs typeface="B Nazanin" panose="00000400000000000000" pitchFamily="2" charset="-78"/>
+            </a:endParaRPr>
+          </a:p>
+        </p:txBody>
+      </p:sp>
+    </p:spTree>
+    <p:extLst>
+      <p:ext uri="{BB962C8B-B14F-4D97-AF65-F5344CB8AC3E}">
+        <p14:creationId xmlns:p14="http://schemas.microsoft.com/office/powerpoint/2010/main" val="3913934745"/>
       </p:ext>
     </p:extLst>
   </p:cSld>
@@ -4906,6 +7942,15 @@
 </file>
 
 <file path=customXml/item1.xml><?xml version="1.0" encoding="utf-8"?>
+<?mso-contentType ?>
+<FormTemplates xmlns="http://schemas.microsoft.com/sharepoint/v3/contenttype/forms">
+  <Display>DocumentLibraryForm</Display>
+  <Edit>DocumentLibraryForm</Edit>
+  <New>DocumentLibraryForm</New>
+</FormTemplates>
+</file>
+
+<file path=customXml/item2.xml><?xml version="1.0" encoding="utf-8"?>
 <ct:contentTypeSchema xmlns:ct="http://schemas.microsoft.com/office/2006/metadata/contentType" xmlns:ma="http://schemas.microsoft.com/office/2006/metadata/properties/metaAttributes" ct:_="" ma:_="" ma:contentTypeName="Document" ma:contentTypeID="0x01010079F111ED35F8CC479449609E8A0923A6" ma:contentTypeVersion="11" ma:contentTypeDescription="Create a new document." ma:contentTypeScope="" ma:versionID="96291512c1ee715ab617f4c07df79fc1">
   <xsd:schema xmlns:xsd="http://www.w3.org/2001/XMLSchema" xmlns:xs="http://www.w3.org/2001/XMLSchema" xmlns:p="http://schemas.microsoft.com/office/2006/metadata/properties" xmlns:ns2="71af3243-3dd4-4a8d-8c0d-dd76da1f02a5" xmlns:ns3="16c05727-aa75-4e4a-9b5f-8a80a1165891" targetNamespace="http://schemas.microsoft.com/office/2006/metadata/properties" ma:root="true" ma:fieldsID="8256c27c40ca5c40ce1cf6c44f0205df" ns2:_="" ns3:_="">
     <xsd:import namespace="71af3243-3dd4-4a8d-8c0d-dd76da1f02a5"/>
@@ -5116,15 +8161,6 @@
 </ct:contentTypeSchema>
 </file>
 
-<file path=customXml/item2.xml><?xml version="1.0" encoding="utf-8"?>
-<?mso-contentType ?>
-<FormTemplates xmlns="http://schemas.microsoft.com/sharepoint/v3/contenttype/forms">
-  <Display>DocumentLibraryForm</Display>
-  <Edit>DocumentLibraryForm</Edit>
-  <New>DocumentLibraryForm</New>
-</FormTemplates>
-</file>
-
 <file path=customXml/item3.xml><?xml version="1.0" encoding="utf-8"?>
 <p:properties xmlns:p="http://schemas.microsoft.com/office/2006/metadata/properties" xmlns:xsi="http://www.w3.org/2001/XMLSchema-instance" xmlns:pc="http://schemas.microsoft.com/office/infopath/2007/PartnerControls">
   <documentManagement>
@@ -5134,6 +8170,14 @@
 </file>
 
 <file path=customXml/itemProps1.xml><?xml version="1.0" encoding="utf-8"?>
+<ds:datastoreItem xmlns:ds="http://schemas.openxmlformats.org/officeDocument/2006/customXml" ds:itemID="{A68F36FF-D6F8-4F25-B1D6-7893F2294B63}">
+  <ds:schemaRefs>
+    <ds:schemaRef ds:uri="http://schemas.microsoft.com/sharepoint/v3/contenttype/forms"/>
+  </ds:schemaRefs>
+</ds:datastoreItem>
+</file>
+
+<file path=customXml/itemProps2.xml><?xml version="1.0" encoding="utf-8"?>
 <ds:datastoreItem xmlns:ds="http://schemas.openxmlformats.org/officeDocument/2006/customXml" ds:itemID="{E60B3179-FCE1-482B-B473-8B7BB6F9AC8B}">
   <ds:schemaRefs>
     <ds:schemaRef ds:uri="http://schemas.microsoft.com/office/2006/metadata/contentType"/>
@@ -5148,14 +8192,6 @@
     <ds:schemaRef ds:uri="http://purl.org/dc/elements/1.1/"/>
     <ds:schemaRef ds:uri="http://purl.org/dc/terms/"/>
     <ds:schemaRef ds:uri="http://schemas.microsoft.com/internal/obd"/>
-  </ds:schemaRefs>
-</ds:datastoreItem>
-</file>
-
-<file path=customXml/itemProps2.xml><?xml version="1.0" encoding="utf-8"?>
-<ds:datastoreItem xmlns:ds="http://schemas.openxmlformats.org/officeDocument/2006/customXml" ds:itemID="{A68F36FF-D6F8-4F25-B1D6-7893F2294B63}">
-  <ds:schemaRefs>
-    <ds:schemaRef ds:uri="http://schemas.microsoft.com/sharepoint/v3/contenttype/forms"/>
   </ds:schemaRefs>
 </ds:datastoreItem>
 </file>
